--- a/Prasidang Michael Alfonso V2.pptx
+++ b/Prasidang Michael Alfonso V2.pptx
@@ -281,7 +281,7 @@
           <a:p>
             <a:fld id="{989B473C-4971-416F-9659-AA3514C828BF}" type="datetimeFigureOut">
               <a:rPr lang="en-ID" smtClean="0"/>
-              <a:t>20/05/2023</a:t>
+              <a:t>31/05/2023</a:t>
             </a:fld>
             <a:endParaRPr lang="en-ID"/>
           </a:p>
@@ -593,6 +593,174 @@
           <a:bodyPr/>
           <a:lstStyle/>
           <a:p>
+            <a:endParaRPr lang="en-ID" dirty="0"/>
+          </a:p>
+        </p:txBody>
+      </p:sp>
+      <p:sp>
+        <p:nvSpPr>
+          <p:cNvPr id="4" name="Slide Number Placeholder 3"/>
+          <p:cNvSpPr>
+            <a:spLocks noGrp="1"/>
+          </p:cNvSpPr>
+          <p:nvPr>
+            <p:ph type="sldNum" sz="quarter" idx="5"/>
+          </p:nvPr>
+        </p:nvSpPr>
+        <p:spPr/>
+        <p:txBody>
+          <a:bodyPr/>
+          <a:lstStyle/>
+          <a:p>
+            <a:fld id="{720840A3-2BC5-44EA-AF04-CCB4D7F7AF8B}" type="slidenum">
+              <a:rPr lang="en-ID" smtClean="0"/>
+              <a:t>2</a:t>
+            </a:fld>
+            <a:endParaRPr lang="en-ID"/>
+          </a:p>
+        </p:txBody>
+      </p:sp>
+    </p:spTree>
+    <p:extLst>
+      <p:ext uri="{BB962C8B-B14F-4D97-AF65-F5344CB8AC3E}">
+        <p14:creationId xmlns:p14="http://schemas.microsoft.com/office/powerpoint/2010/main" val="2855572245"/>
+      </p:ext>
+    </p:extLst>
+  </p:cSld>
+  <p:clrMapOvr>
+    <a:masterClrMapping/>
+  </p:clrMapOvr>
+</p:notes>
+</file>
+
+<file path=ppt/notesSlides/notesSlide2.xml><?xml version="1.0" encoding="utf-8"?>
+<p:notes xmlns:a="http://schemas.openxmlformats.org/drawingml/2006/main" xmlns:r="http://schemas.openxmlformats.org/officeDocument/2006/relationships" xmlns:p="http://schemas.openxmlformats.org/presentationml/2006/main">
+  <p:cSld>
+    <p:spTree>
+      <p:nvGrpSpPr>
+        <p:cNvPr id="1" name=""/>
+        <p:cNvGrpSpPr/>
+        <p:nvPr/>
+      </p:nvGrpSpPr>
+      <p:grpSpPr>
+        <a:xfrm>
+          <a:off x="0" y="0"/>
+          <a:ext cx="0" cy="0"/>
+          <a:chOff x="0" y="0"/>
+          <a:chExt cx="0" cy="0"/>
+        </a:xfrm>
+      </p:grpSpPr>
+      <p:sp>
+        <p:nvSpPr>
+          <p:cNvPr id="2" name="Slide Image Placeholder 1"/>
+          <p:cNvSpPr>
+            <a:spLocks noGrp="1" noRot="1" noChangeAspect="1"/>
+          </p:cNvSpPr>
+          <p:nvPr>
+            <p:ph type="sldImg"/>
+          </p:nvPr>
+        </p:nvSpPr>
+        <p:spPr/>
+      </p:sp>
+      <p:sp>
+        <p:nvSpPr>
+          <p:cNvPr id="3" name="Notes Placeholder 2"/>
+          <p:cNvSpPr>
+            <a:spLocks noGrp="1"/>
+          </p:cNvSpPr>
+          <p:nvPr>
+            <p:ph type="body" idx="1"/>
+          </p:nvPr>
+        </p:nvSpPr>
+        <p:spPr/>
+        <p:txBody>
+          <a:bodyPr/>
+          <a:lstStyle/>
+          <a:p>
+            <a:endParaRPr lang="en-ID" dirty="0"/>
+          </a:p>
+        </p:txBody>
+      </p:sp>
+      <p:sp>
+        <p:nvSpPr>
+          <p:cNvPr id="4" name="Slide Number Placeholder 3"/>
+          <p:cNvSpPr>
+            <a:spLocks noGrp="1"/>
+          </p:cNvSpPr>
+          <p:nvPr>
+            <p:ph type="sldNum" sz="quarter" idx="5"/>
+          </p:nvPr>
+        </p:nvSpPr>
+        <p:spPr/>
+        <p:txBody>
+          <a:bodyPr/>
+          <a:lstStyle/>
+          <a:p>
+            <a:fld id="{720840A3-2BC5-44EA-AF04-CCB4D7F7AF8B}" type="slidenum">
+              <a:rPr lang="en-ID" smtClean="0"/>
+              <a:t>12</a:t>
+            </a:fld>
+            <a:endParaRPr lang="en-ID"/>
+          </a:p>
+        </p:txBody>
+      </p:sp>
+    </p:spTree>
+    <p:extLst>
+      <p:ext uri="{BB962C8B-B14F-4D97-AF65-F5344CB8AC3E}">
+        <p14:creationId xmlns:p14="http://schemas.microsoft.com/office/powerpoint/2010/main" val="1893347364"/>
+      </p:ext>
+    </p:extLst>
+  </p:cSld>
+  <p:clrMapOvr>
+    <a:masterClrMapping/>
+  </p:clrMapOvr>
+</p:notes>
+</file>
+
+<file path=ppt/notesSlides/notesSlide3.xml><?xml version="1.0" encoding="utf-8"?>
+<p:notes xmlns:a="http://schemas.openxmlformats.org/drawingml/2006/main" xmlns:r="http://schemas.openxmlformats.org/officeDocument/2006/relationships" xmlns:p="http://schemas.openxmlformats.org/presentationml/2006/main">
+  <p:cSld>
+    <p:spTree>
+      <p:nvGrpSpPr>
+        <p:cNvPr id="1" name=""/>
+        <p:cNvGrpSpPr/>
+        <p:nvPr/>
+      </p:nvGrpSpPr>
+      <p:grpSpPr>
+        <a:xfrm>
+          <a:off x="0" y="0"/>
+          <a:ext cx="0" cy="0"/>
+          <a:chOff x="0" y="0"/>
+          <a:chExt cx="0" cy="0"/>
+        </a:xfrm>
+      </p:grpSpPr>
+      <p:sp>
+        <p:nvSpPr>
+          <p:cNvPr id="2" name="Slide Image Placeholder 1"/>
+          <p:cNvSpPr>
+            <a:spLocks noGrp="1" noRot="1" noChangeAspect="1"/>
+          </p:cNvSpPr>
+          <p:nvPr>
+            <p:ph type="sldImg"/>
+          </p:nvPr>
+        </p:nvSpPr>
+        <p:spPr/>
+      </p:sp>
+      <p:sp>
+        <p:nvSpPr>
+          <p:cNvPr id="3" name="Notes Placeholder 2"/>
+          <p:cNvSpPr>
+            <a:spLocks noGrp="1"/>
+          </p:cNvSpPr>
+          <p:nvPr>
+            <p:ph type="body" idx="1"/>
+          </p:nvPr>
+        </p:nvSpPr>
+        <p:spPr/>
+        <p:txBody>
+          <a:bodyPr/>
+          <a:lstStyle/>
+          <a:p>
             <a:pPr>
               <a:lnSpc>
                 <a:spcPts val="5879"/>
@@ -720,7 +888,7 @@
                 </a:solidFill>
                 <a:latin typeface="Barlow Light"/>
               </a:rPr>
-              <a:t>  </a:t>
+              <a:t> </a:t>
             </a:r>
             <a:r>
               <a:rPr lang="en-US" sz="1200" dirty="0" err="1">
@@ -1329,7 +1497,7 @@
             <a:fld id="{1D8BD707-D9CF-40AE-B4C6-C98DA3205C09}" type="datetimeFigureOut">
               <a:rPr lang="en-US" smtClean="0"/>
               <a:pPr/>
-              <a:t>5/20/2023</a:t>
+              <a:t>5/31/2023</a:t>
             </a:fld>
             <a:endParaRPr lang="en-US"/>
           </a:p>
@@ -1494,7 +1662,7 @@
             <a:fld id="{1D8BD707-D9CF-40AE-B4C6-C98DA3205C09}" type="datetimeFigureOut">
               <a:rPr lang="en-US" smtClean="0"/>
               <a:pPr/>
-              <a:t>5/20/2023</a:t>
+              <a:t>5/31/2023</a:t>
             </a:fld>
             <a:endParaRPr lang="en-US"/>
           </a:p>
@@ -1669,7 +1837,7 @@
             <a:fld id="{1D8BD707-D9CF-40AE-B4C6-C98DA3205C09}" type="datetimeFigureOut">
               <a:rPr lang="en-US" smtClean="0"/>
               <a:pPr/>
-              <a:t>5/20/2023</a:t>
+              <a:t>5/31/2023</a:t>
             </a:fld>
             <a:endParaRPr lang="en-US"/>
           </a:p>
@@ -1834,7 +2002,7 @@
             <a:fld id="{1D8BD707-D9CF-40AE-B4C6-C98DA3205C09}" type="datetimeFigureOut">
               <a:rPr lang="en-US" smtClean="0"/>
               <a:pPr/>
-              <a:t>5/20/2023</a:t>
+              <a:t>5/31/2023</a:t>
             </a:fld>
             <a:endParaRPr lang="en-US"/>
           </a:p>
@@ -2076,7 +2244,7 @@
             <a:fld id="{1D8BD707-D9CF-40AE-B4C6-C98DA3205C09}" type="datetimeFigureOut">
               <a:rPr lang="en-US" smtClean="0"/>
               <a:pPr/>
-              <a:t>5/20/2023</a:t>
+              <a:t>5/31/2023</a:t>
             </a:fld>
             <a:endParaRPr lang="en-US"/>
           </a:p>
@@ -2358,7 +2526,7 @@
             <a:fld id="{1D8BD707-D9CF-40AE-B4C6-C98DA3205C09}" type="datetimeFigureOut">
               <a:rPr lang="en-US" smtClean="0"/>
               <a:pPr/>
-              <a:t>5/20/2023</a:t>
+              <a:t>5/31/2023</a:t>
             </a:fld>
             <a:endParaRPr lang="en-US"/>
           </a:p>
@@ -2774,7 +2942,7 @@
             <a:fld id="{1D8BD707-D9CF-40AE-B4C6-C98DA3205C09}" type="datetimeFigureOut">
               <a:rPr lang="en-US" smtClean="0"/>
               <a:pPr/>
-              <a:t>5/20/2023</a:t>
+              <a:t>5/31/2023</a:t>
             </a:fld>
             <a:endParaRPr lang="en-US"/>
           </a:p>
@@ -2888,7 +3056,7 @@
             <a:fld id="{1D8BD707-D9CF-40AE-B4C6-C98DA3205C09}" type="datetimeFigureOut">
               <a:rPr lang="en-US" smtClean="0"/>
               <a:pPr/>
-              <a:t>5/20/2023</a:t>
+              <a:t>5/31/2023</a:t>
             </a:fld>
             <a:endParaRPr lang="en-US"/>
           </a:p>
@@ -2980,7 +3148,7 @@
             <a:fld id="{1D8BD707-D9CF-40AE-B4C6-C98DA3205C09}" type="datetimeFigureOut">
               <a:rPr lang="en-US" smtClean="0"/>
               <a:pPr/>
-              <a:t>5/20/2023</a:t>
+              <a:t>5/31/2023</a:t>
             </a:fld>
             <a:endParaRPr lang="en-US"/>
           </a:p>
@@ -3252,7 +3420,7 @@
             <a:fld id="{1D8BD707-D9CF-40AE-B4C6-C98DA3205C09}" type="datetimeFigureOut">
               <a:rPr lang="en-US" smtClean="0"/>
               <a:pPr/>
-              <a:t>5/20/2023</a:t>
+              <a:t>5/31/2023</a:t>
             </a:fld>
             <a:endParaRPr lang="en-US"/>
           </a:p>
@@ -3501,7 +3669,7 @@
             <a:fld id="{1D8BD707-D9CF-40AE-B4C6-C98DA3205C09}" type="datetimeFigureOut">
               <a:rPr lang="en-US" smtClean="0"/>
               <a:pPr/>
-              <a:t>5/20/2023</a:t>
+              <a:t>5/31/2023</a:t>
             </a:fld>
             <a:endParaRPr lang="en-US"/>
           </a:p>
@@ -3709,7 +3877,7 @@
             <a:fld id="{1D8BD707-D9CF-40AE-B4C6-C98DA3205C09}" type="datetimeFigureOut">
               <a:rPr lang="en-US" smtClean="0"/>
               <a:pPr/>
-              <a:t>5/20/2023</a:t>
+              <a:t>5/31/2023</a:t>
             </a:fld>
             <a:endParaRPr lang="en-US"/>
           </a:p>
@@ -5526,7 +5694,7 @@
         <p:spPr>
           <a:xfrm>
             <a:off x="5516105" y="2619058"/>
-            <a:ext cx="8105215" cy="5498465"/>
+            <a:ext cx="8105215" cy="5564344"/>
           </a:xfrm>
           <a:prstGeom prst="rect">
             <a:avLst/>
@@ -5544,13 +5712,13 @@
               </a:lnSpc>
             </a:pPr>
             <a:r>
-              <a:rPr lang="en-US" sz="3100">
+              <a:rPr lang="en-US" sz="3100" dirty="0">
                 <a:solidFill>
                   <a:srgbClr val="FFFFFF"/>
                 </a:solidFill>
                 <a:latin typeface="Barlow Light Bold"/>
               </a:rPr>
-              <a:t>4. KOMPARAS I ALGORITM A NAIVE BAYES DAN SUPPORT VECTOR MACHINE UNTUK ANALISA SENTIMEN REVIEW FILM.</a:t>
+              <a:t>4. KOMPARASI ALGORITMA NAIVE BAYES DAN SUPPORT VECTOR MACHINE UNTUK ANALISA SENTIMEN REVIEW FILM.</a:t>
             </a:r>
           </a:p>
           <a:p>
@@ -5559,7 +5727,7 @@
                 <a:spcPts val="4340"/>
               </a:lnSpc>
             </a:pPr>
-            <a:endParaRPr lang="en-US" sz="3100">
+            <a:endParaRPr lang="en-US" sz="3100" dirty="0">
               <a:solidFill>
                 <a:srgbClr val="FFFFFF"/>
               </a:solidFill>
@@ -5573,13 +5741,40 @@
               </a:lnSpc>
             </a:pPr>
             <a:r>
-              <a:rPr lang="en-US" sz="2700">
+              <a:rPr lang="en-US" sz="2700" dirty="0" err="1">
                 <a:solidFill>
                   <a:srgbClr val="FFFFFF"/>
                 </a:solidFill>
                 <a:latin typeface="Barlow Light"/>
               </a:rPr>
-              <a:t>Penulis : Elly Indrayuni.</a:t>
+              <a:t>Penulis</a:t>
+            </a:r>
+            <a:r>
+              <a:rPr lang="en-US" sz="2700" dirty="0">
+                <a:solidFill>
+                  <a:srgbClr val="FFFFFF"/>
+                </a:solidFill>
+                <a:latin typeface="Barlow Light"/>
+              </a:rPr>
+              <a:t> : Elly </a:t>
+            </a:r>
+            <a:r>
+              <a:rPr lang="en-US" sz="2700" dirty="0" err="1">
+                <a:solidFill>
+                  <a:srgbClr val="FFFFFF"/>
+                </a:solidFill>
+                <a:latin typeface="Barlow Light"/>
+              </a:rPr>
+              <a:t>Indrayuni</a:t>
+            </a:r>
+            <a:r>
+              <a:rPr lang="en-US" sz="2700" dirty="0">
+                <a:solidFill>
+                  <a:srgbClr val="FFFFFF"/>
+                </a:solidFill>
+                <a:latin typeface="Barlow Light"/>
+              </a:rPr>
+              <a:t>.</a:t>
             </a:r>
           </a:p>
           <a:p>
@@ -5588,7 +5783,7 @@
                 <a:spcPts val="3780"/>
               </a:lnSpc>
             </a:pPr>
-            <a:endParaRPr lang="en-US" sz="2700">
+            <a:endParaRPr lang="en-US" sz="2700" dirty="0">
               <a:solidFill>
                 <a:srgbClr val="FFFFFF"/>
               </a:solidFill>
@@ -5602,13 +5797,247 @@
               </a:lnSpc>
             </a:pPr>
             <a:r>
-              <a:rPr lang="en-US" sz="2700">
+              <a:rPr lang="en-US" sz="2700" dirty="0">
                 <a:solidFill>
                   <a:srgbClr val="FFFFFF"/>
                 </a:solidFill>
                 <a:latin typeface="Barlow Light"/>
               </a:rPr>
-              <a:t>Kesimpulan : Penelitian analisis sentiment pengguna twitter terhadap review film menggunakan confussion matrix menunjukan bahwa akurasi algoritma SVM sebesar 90% dan untuk algoritma Naïve Bayes sebesar 84.5%.</a:t>
+              <a:t>Kesimpulan : </a:t>
+            </a:r>
+            <a:r>
+              <a:rPr lang="en-US" sz="2700" dirty="0" err="1">
+                <a:solidFill>
+                  <a:srgbClr val="FFFFFF"/>
+                </a:solidFill>
+                <a:latin typeface="Barlow Light"/>
+              </a:rPr>
+              <a:t>Penelitian</a:t>
+            </a:r>
+            <a:r>
+              <a:rPr lang="en-US" sz="2700" dirty="0">
+                <a:solidFill>
+                  <a:srgbClr val="FFFFFF"/>
+                </a:solidFill>
+                <a:latin typeface="Barlow Light"/>
+              </a:rPr>
+              <a:t> </a:t>
+            </a:r>
+            <a:r>
+              <a:rPr lang="en-US" sz="2700" dirty="0" err="1">
+                <a:solidFill>
+                  <a:srgbClr val="FFFFFF"/>
+                </a:solidFill>
+                <a:latin typeface="Barlow Light"/>
+              </a:rPr>
+              <a:t>analisis</a:t>
+            </a:r>
+            <a:r>
+              <a:rPr lang="en-US" sz="2700" dirty="0">
+                <a:solidFill>
+                  <a:srgbClr val="FFFFFF"/>
+                </a:solidFill>
+                <a:latin typeface="Barlow Light"/>
+              </a:rPr>
+              <a:t> sentiment </a:t>
+            </a:r>
+            <a:r>
+              <a:rPr lang="en-US" sz="2700" dirty="0" err="1">
+                <a:solidFill>
+                  <a:srgbClr val="FFFFFF"/>
+                </a:solidFill>
+                <a:latin typeface="Barlow Light"/>
+              </a:rPr>
+              <a:t>pengguna</a:t>
+            </a:r>
+            <a:r>
+              <a:rPr lang="en-US" sz="2700" dirty="0">
+                <a:solidFill>
+                  <a:srgbClr val="FFFFFF"/>
+                </a:solidFill>
+                <a:latin typeface="Barlow Light"/>
+              </a:rPr>
+              <a:t> twitter </a:t>
+            </a:r>
+            <a:r>
+              <a:rPr lang="en-US" sz="2700" dirty="0" err="1">
+                <a:solidFill>
+                  <a:srgbClr val="FFFFFF"/>
+                </a:solidFill>
+                <a:latin typeface="Barlow Light"/>
+              </a:rPr>
+              <a:t>terhadap</a:t>
+            </a:r>
+            <a:r>
+              <a:rPr lang="en-US" sz="2700" dirty="0">
+                <a:solidFill>
+                  <a:srgbClr val="FFFFFF"/>
+                </a:solidFill>
+                <a:latin typeface="Barlow Light"/>
+              </a:rPr>
+              <a:t> review film </a:t>
+            </a:r>
+            <a:r>
+              <a:rPr lang="en-US" sz="2700" dirty="0" err="1">
+                <a:solidFill>
+                  <a:srgbClr val="FFFFFF"/>
+                </a:solidFill>
+                <a:latin typeface="Barlow Light"/>
+              </a:rPr>
+              <a:t>menggunakan</a:t>
+            </a:r>
+            <a:r>
+              <a:rPr lang="en-US" sz="2700" dirty="0">
+                <a:solidFill>
+                  <a:srgbClr val="FFFFFF"/>
+                </a:solidFill>
+                <a:latin typeface="Barlow Light"/>
+              </a:rPr>
+              <a:t> </a:t>
+            </a:r>
+            <a:r>
+              <a:rPr lang="en-US" sz="2700" dirty="0" err="1">
+                <a:solidFill>
+                  <a:srgbClr val="FFFFFF"/>
+                </a:solidFill>
+                <a:latin typeface="Barlow Light"/>
+              </a:rPr>
+              <a:t>confussion</a:t>
+            </a:r>
+            <a:r>
+              <a:rPr lang="en-US" sz="2700" dirty="0">
+                <a:solidFill>
+                  <a:srgbClr val="FFFFFF"/>
+                </a:solidFill>
+                <a:latin typeface="Barlow Light"/>
+              </a:rPr>
+              <a:t> matrix </a:t>
+            </a:r>
+            <a:r>
+              <a:rPr lang="en-US" sz="2700" dirty="0" err="1">
+                <a:solidFill>
+                  <a:srgbClr val="FFFFFF"/>
+                </a:solidFill>
+                <a:latin typeface="Barlow Light"/>
+              </a:rPr>
+              <a:t>menunjukan</a:t>
+            </a:r>
+            <a:r>
+              <a:rPr lang="en-US" sz="2700" dirty="0">
+                <a:solidFill>
+                  <a:srgbClr val="FFFFFF"/>
+                </a:solidFill>
+                <a:latin typeface="Barlow Light"/>
+              </a:rPr>
+              <a:t> </a:t>
+            </a:r>
+            <a:r>
+              <a:rPr lang="en-US" sz="2700" dirty="0" err="1">
+                <a:solidFill>
+                  <a:srgbClr val="FFFFFF"/>
+                </a:solidFill>
+                <a:latin typeface="Barlow Light"/>
+              </a:rPr>
+              <a:t>bahwa</a:t>
+            </a:r>
+            <a:r>
+              <a:rPr lang="en-US" sz="2700" dirty="0">
+                <a:solidFill>
+                  <a:srgbClr val="FFFFFF"/>
+                </a:solidFill>
+                <a:latin typeface="Barlow Light"/>
+              </a:rPr>
+              <a:t> </a:t>
+            </a:r>
+            <a:r>
+              <a:rPr lang="en-US" sz="2700" dirty="0" err="1">
+                <a:solidFill>
+                  <a:srgbClr val="FFFFFF"/>
+                </a:solidFill>
+                <a:latin typeface="Barlow Light"/>
+              </a:rPr>
+              <a:t>akurasi</a:t>
+            </a:r>
+            <a:r>
+              <a:rPr lang="en-US" sz="2700" dirty="0">
+                <a:solidFill>
+                  <a:srgbClr val="FFFFFF"/>
+                </a:solidFill>
+                <a:latin typeface="Barlow Light"/>
+              </a:rPr>
+              <a:t> </a:t>
+            </a:r>
+            <a:r>
+              <a:rPr lang="en-US" sz="2700" dirty="0" err="1">
+                <a:solidFill>
+                  <a:srgbClr val="FFFFFF"/>
+                </a:solidFill>
+                <a:latin typeface="Barlow Light"/>
+              </a:rPr>
+              <a:t>algoritma</a:t>
+            </a:r>
+            <a:r>
+              <a:rPr lang="en-US" sz="2700" dirty="0">
+                <a:solidFill>
+                  <a:srgbClr val="FFFFFF"/>
+                </a:solidFill>
+                <a:latin typeface="Barlow Light"/>
+              </a:rPr>
+              <a:t> SVM </a:t>
+            </a:r>
+            <a:r>
+              <a:rPr lang="en-US" sz="2700" dirty="0" err="1">
+                <a:solidFill>
+                  <a:srgbClr val="FFFFFF"/>
+                </a:solidFill>
+                <a:latin typeface="Barlow Light"/>
+              </a:rPr>
+              <a:t>sebesar</a:t>
+            </a:r>
+            <a:r>
+              <a:rPr lang="en-US" sz="2700" dirty="0">
+                <a:solidFill>
+                  <a:srgbClr val="FFFFFF"/>
+                </a:solidFill>
+                <a:latin typeface="Barlow Light"/>
+              </a:rPr>
+              <a:t> 90% dan untuk </a:t>
+            </a:r>
+            <a:r>
+              <a:rPr lang="en-US" sz="2700" dirty="0" err="1">
+                <a:solidFill>
+                  <a:srgbClr val="FFFFFF"/>
+                </a:solidFill>
+                <a:latin typeface="Barlow Light"/>
+              </a:rPr>
+              <a:t>algoritma</a:t>
+            </a:r>
+            <a:r>
+              <a:rPr lang="en-US" sz="2700" dirty="0">
+                <a:solidFill>
+                  <a:srgbClr val="FFFFFF"/>
+                </a:solidFill>
+                <a:latin typeface="Barlow Light"/>
+              </a:rPr>
+              <a:t> Naïve Bayes </a:t>
+            </a:r>
+            <a:r>
+              <a:rPr lang="en-US" sz="2700" dirty="0" err="1">
+                <a:solidFill>
+                  <a:srgbClr val="FFFFFF"/>
+                </a:solidFill>
+                <a:latin typeface="Barlow Light"/>
+              </a:rPr>
+              <a:t>sebesar</a:t>
+            </a:r>
+            <a:r>
+              <a:rPr lang="en-US" sz="2700" dirty="0">
+                <a:solidFill>
+                  <a:srgbClr val="FFFFFF"/>
+                </a:solidFill>
+                <a:latin typeface="Barlow Light"/>
+              </a:rPr>
+              <a:t> 84.5%.</a:t>
             </a:r>
           </a:p>
         </p:txBody>
@@ -7623,13 +8052,13 @@
           <p:nvPr/>
         </p:nvPicPr>
         <p:blipFill>
-          <a:blip r:embed="rId2">
+          <a:blip r:embed="rId3">
             <a:extLst>
               <a:ext uri="{28A0092B-C50C-407E-A947-70E740481C1C}">
                 <a14:useLocalDpi xmlns:a14="http://schemas.microsoft.com/office/drawing/2010/main" val="0"/>
               </a:ext>
               <a:ext uri="{96DAC541-7B7A-43D3-8B79-37D633B846F1}">
-                <asvg:svgBlip xmlns:asvg="http://schemas.microsoft.com/office/drawing/2016/SVG/main" r:embed="rId3"/>
+                <asvg:svgBlip xmlns:asvg="http://schemas.microsoft.com/office/drawing/2016/SVG/main" r:embed="rId4"/>
               </a:ext>
             </a:extLst>
           </a:blip>
@@ -7657,13 +8086,13 @@
           <p:nvPr/>
         </p:nvPicPr>
         <p:blipFill>
-          <a:blip r:embed="rId4" cstate="print">
+          <a:blip r:embed="rId5" cstate="print">
             <a:extLst>
               <a:ext uri="{28A0092B-C50C-407E-A947-70E740481C1C}">
                 <a14:useLocalDpi xmlns:a14="http://schemas.microsoft.com/office/drawing/2010/main" val="0"/>
               </a:ext>
               <a:ext uri="{96DAC541-7B7A-43D3-8B79-37D633B846F1}">
-                <asvg:svgBlip xmlns:asvg="http://schemas.microsoft.com/office/drawing/2016/SVG/main" r:embed="rId5"/>
+                <asvg:svgBlip xmlns:asvg="http://schemas.microsoft.com/office/drawing/2016/SVG/main" r:embed="rId6"/>
               </a:ext>
             </a:extLst>
           </a:blip>
@@ -7691,13 +8120,13 @@
           <p:nvPr/>
         </p:nvPicPr>
         <p:blipFill>
-          <a:blip r:embed="rId6">
+          <a:blip r:embed="rId7">
             <a:extLst>
               <a:ext uri="{28A0092B-C50C-407E-A947-70E740481C1C}">
                 <a14:useLocalDpi xmlns:a14="http://schemas.microsoft.com/office/drawing/2010/main" val="0"/>
               </a:ext>
               <a:ext uri="{96DAC541-7B7A-43D3-8B79-37D633B846F1}">
-                <asvg:svgBlip xmlns:asvg="http://schemas.microsoft.com/office/drawing/2016/SVG/main" r:embed="rId7"/>
+                <asvg:svgBlip xmlns:asvg="http://schemas.microsoft.com/office/drawing/2016/SVG/main" r:embed="rId8"/>
               </a:ext>
             </a:extLst>
           </a:blip>
@@ -7763,13 +8192,13 @@
           <p:nvPr/>
         </p:nvPicPr>
         <p:blipFill>
-          <a:blip r:embed="rId4" cstate="print">
+          <a:blip r:embed="rId5" cstate="print">
             <a:extLst>
               <a:ext uri="{28A0092B-C50C-407E-A947-70E740481C1C}">
                 <a14:useLocalDpi xmlns:a14="http://schemas.microsoft.com/office/drawing/2010/main" val="0"/>
               </a:ext>
               <a:ext uri="{96DAC541-7B7A-43D3-8B79-37D633B846F1}">
-                <asvg:svgBlip xmlns:asvg="http://schemas.microsoft.com/office/drawing/2016/SVG/main" r:embed="rId5"/>
+                <asvg:svgBlip xmlns:asvg="http://schemas.microsoft.com/office/drawing/2016/SVG/main" r:embed="rId6"/>
               </a:ext>
             </a:extLst>
           </a:blip>
@@ -7797,13 +8226,13 @@
           <p:nvPr/>
         </p:nvPicPr>
         <p:blipFill>
-          <a:blip r:embed="rId8" cstate="print">
+          <a:blip r:embed="rId9" cstate="print">
             <a:extLst>
               <a:ext uri="{28A0092B-C50C-407E-A947-70E740481C1C}">
                 <a14:useLocalDpi xmlns:a14="http://schemas.microsoft.com/office/drawing/2010/main" val="0"/>
               </a:ext>
               <a:ext uri="{96DAC541-7B7A-43D3-8B79-37D633B846F1}">
-                <asvg:svgBlip xmlns:asvg="http://schemas.microsoft.com/office/drawing/2016/SVG/main" r:embed="rId9"/>
+                <asvg:svgBlip xmlns:asvg="http://schemas.microsoft.com/office/drawing/2016/SVG/main" r:embed="rId10"/>
               </a:ext>
             </a:extLst>
           </a:blip>
@@ -7831,13 +8260,13 @@
           <p:nvPr/>
         </p:nvPicPr>
         <p:blipFill>
-          <a:blip r:embed="rId8" cstate="print">
+          <a:blip r:embed="rId9" cstate="print">
             <a:extLst>
               <a:ext uri="{28A0092B-C50C-407E-A947-70E740481C1C}">
                 <a14:useLocalDpi xmlns:a14="http://schemas.microsoft.com/office/drawing/2010/main" val="0"/>
               </a:ext>
               <a:ext uri="{96DAC541-7B7A-43D3-8B79-37D633B846F1}">
-                <asvg:svgBlip xmlns:asvg="http://schemas.microsoft.com/office/drawing/2016/SVG/main" r:embed="rId9"/>
+                <asvg:svgBlip xmlns:asvg="http://schemas.microsoft.com/office/drawing/2016/SVG/main" r:embed="rId10"/>
               </a:ext>
             </a:extLst>
           </a:blip>
@@ -7865,13 +8294,13 @@
           <p:nvPr/>
         </p:nvPicPr>
         <p:blipFill>
-          <a:blip r:embed="rId10">
+          <a:blip r:embed="rId11">
             <a:extLst>
               <a:ext uri="{28A0092B-C50C-407E-A947-70E740481C1C}">
                 <a14:useLocalDpi xmlns:a14="http://schemas.microsoft.com/office/drawing/2010/main" val="0"/>
               </a:ext>
               <a:ext uri="{96DAC541-7B7A-43D3-8B79-37D633B846F1}">
-                <asvg:svgBlip xmlns:asvg="http://schemas.microsoft.com/office/drawing/2016/SVG/main" r:embed="rId11"/>
+                <asvg:svgBlip xmlns:asvg="http://schemas.microsoft.com/office/drawing/2016/SVG/main" r:embed="rId12"/>
               </a:ext>
             </a:extLst>
           </a:blip>
@@ -7899,13 +8328,13 @@
           <p:nvPr/>
         </p:nvPicPr>
         <p:blipFill>
-          <a:blip r:embed="rId12">
+          <a:blip r:embed="rId13">
             <a:extLst>
               <a:ext uri="{28A0092B-C50C-407E-A947-70E740481C1C}">
                 <a14:useLocalDpi xmlns:a14="http://schemas.microsoft.com/office/drawing/2010/main" val="0"/>
               </a:ext>
               <a:ext uri="{96DAC541-7B7A-43D3-8B79-37D633B846F1}">
-                <asvg:svgBlip xmlns:asvg="http://schemas.microsoft.com/office/drawing/2016/SVG/main" r:embed="rId13"/>
+                <asvg:svgBlip xmlns:asvg="http://schemas.microsoft.com/office/drawing/2016/SVG/main" r:embed="rId14"/>
               </a:ext>
             </a:extLst>
           </a:blip>
@@ -7933,13 +8362,13 @@
           <p:nvPr/>
         </p:nvPicPr>
         <p:blipFill>
-          <a:blip r:embed="rId14">
+          <a:blip r:embed="rId15">
             <a:extLst>
               <a:ext uri="{28A0092B-C50C-407E-A947-70E740481C1C}">
                 <a14:useLocalDpi xmlns:a14="http://schemas.microsoft.com/office/drawing/2010/main" val="0"/>
               </a:ext>
               <a:ext uri="{96DAC541-7B7A-43D3-8B79-37D633B846F1}">
-                <asvg:svgBlip xmlns:asvg="http://schemas.microsoft.com/office/drawing/2016/SVG/main" r:embed="rId15"/>
+                <asvg:svgBlip xmlns:asvg="http://schemas.microsoft.com/office/drawing/2016/SVG/main" r:embed="rId16"/>
               </a:ext>
             </a:extLst>
           </a:blip>
@@ -8508,7 +8937,7 @@
           <p:nvPr/>
         </p:nvPicPr>
         <p:blipFill>
-          <a:blip r:embed="rId16"/>
+          <a:blip r:embed="rId17"/>
           <a:srcRect/>
           <a:stretch>
             <a:fillRect/>
@@ -17837,13 +18266,13 @@
           <p:nvPr/>
         </p:nvPicPr>
         <p:blipFill>
-          <a:blip r:embed="rId2">
+          <a:blip r:embed="rId3">
             <a:extLst>
               <a:ext uri="{28A0092B-C50C-407E-A947-70E740481C1C}">
                 <a14:useLocalDpi xmlns:a14="http://schemas.microsoft.com/office/drawing/2010/main" val="0"/>
               </a:ext>
               <a:ext uri="{96DAC541-7B7A-43D3-8B79-37D633B846F1}">
-                <asvg:svgBlip xmlns:asvg="http://schemas.microsoft.com/office/drawing/2016/SVG/main" r:embed="rId3"/>
+                <asvg:svgBlip xmlns:asvg="http://schemas.microsoft.com/office/drawing/2016/SVG/main" r:embed="rId4"/>
               </a:ext>
             </a:extLst>
           </a:blip>
@@ -18070,7 +18499,7 @@
           <p:nvPr/>
         </p:nvPicPr>
         <p:blipFill>
-          <a:blip r:embed="rId4"/>
+          <a:blip r:embed="rId5"/>
           <a:srcRect/>
           <a:stretch>
             <a:fillRect/>
@@ -34826,13 +35255,319 @@
               </a:lnSpc>
             </a:pPr>
             <a:r>
-              <a:rPr lang="en-US" sz="3699">
+              <a:rPr lang="en-US" sz="3699" dirty="0">
                 <a:solidFill>
                   <a:srgbClr val="695941"/>
                 </a:solidFill>
                 <a:latin typeface="Barlow Light"/>
               </a:rPr>
-              <a:t>Liu (dalam Haranto dan Sari, 2019) memaparkan bahwa analisa sentimen merupakan studi yang mempelajari opini, sentimen, evaluasi, tingkah laku, dan emosi suatu entitas </a:t>
+              <a:t>Liu (</a:t>
+            </a:r>
+            <a:r>
+              <a:rPr lang="en-US" sz="3699" dirty="0" err="1">
+                <a:solidFill>
+                  <a:srgbClr val="695941"/>
+                </a:solidFill>
+                <a:latin typeface="Barlow Light"/>
+              </a:rPr>
+              <a:t>dalam</a:t>
+            </a:r>
+            <a:r>
+              <a:rPr lang="en-US" sz="3699" dirty="0">
+                <a:solidFill>
+                  <a:srgbClr val="695941"/>
+                </a:solidFill>
+                <a:latin typeface="Barlow Light"/>
+              </a:rPr>
+              <a:t> </a:t>
+            </a:r>
+            <a:r>
+              <a:rPr lang="en-US" sz="3699" dirty="0" err="1">
+                <a:solidFill>
+                  <a:srgbClr val="695941"/>
+                </a:solidFill>
+                <a:latin typeface="Barlow Light"/>
+              </a:rPr>
+              <a:t>Haranto</a:t>
+            </a:r>
+            <a:r>
+              <a:rPr lang="en-US" sz="3699" dirty="0">
+                <a:solidFill>
+                  <a:srgbClr val="695941"/>
+                </a:solidFill>
+                <a:latin typeface="Barlow Light"/>
+              </a:rPr>
+              <a:t> dan Sari, 2019) </a:t>
+            </a:r>
+            <a:r>
+              <a:rPr lang="en-US" sz="3699" dirty="0" err="1">
+                <a:solidFill>
+                  <a:srgbClr val="695941"/>
+                </a:solidFill>
+                <a:latin typeface="Barlow Light"/>
+              </a:rPr>
+              <a:t>memaparkan</a:t>
+            </a:r>
+            <a:r>
+              <a:rPr lang="en-US" sz="3699" dirty="0">
+                <a:solidFill>
+                  <a:srgbClr val="695941"/>
+                </a:solidFill>
+                <a:latin typeface="Barlow Light"/>
+              </a:rPr>
+              <a:t> </a:t>
+            </a:r>
+            <a:r>
+              <a:rPr lang="en-US" sz="3699" dirty="0" err="1">
+                <a:solidFill>
+                  <a:srgbClr val="695941"/>
+                </a:solidFill>
+                <a:latin typeface="Barlow Light"/>
+              </a:rPr>
+              <a:t>bahwa</a:t>
+            </a:r>
+            <a:r>
+              <a:rPr lang="en-US" sz="3699" dirty="0">
+                <a:solidFill>
+                  <a:srgbClr val="695941"/>
+                </a:solidFill>
+                <a:latin typeface="Barlow Light"/>
+              </a:rPr>
+              <a:t> </a:t>
+            </a:r>
+            <a:r>
+              <a:rPr lang="en-US" sz="3699" dirty="0" err="1">
+                <a:solidFill>
+                  <a:srgbClr val="695941"/>
+                </a:solidFill>
+                <a:latin typeface="Barlow Light"/>
+              </a:rPr>
+              <a:t>analisa</a:t>
+            </a:r>
+            <a:r>
+              <a:rPr lang="en-US" sz="3699" dirty="0">
+                <a:solidFill>
+                  <a:srgbClr val="695941"/>
+                </a:solidFill>
+                <a:latin typeface="Barlow Light"/>
+              </a:rPr>
+              <a:t> </a:t>
+            </a:r>
+            <a:r>
+              <a:rPr lang="en-US" sz="3699" dirty="0" err="1">
+                <a:solidFill>
+                  <a:srgbClr val="695941"/>
+                </a:solidFill>
+                <a:latin typeface="Barlow Light"/>
+              </a:rPr>
+              <a:t>sentimen</a:t>
+            </a:r>
+            <a:r>
+              <a:rPr lang="en-US" sz="3699" dirty="0">
+                <a:solidFill>
+                  <a:srgbClr val="695941"/>
+                </a:solidFill>
+                <a:latin typeface="Barlow Light"/>
+              </a:rPr>
+              <a:t> </a:t>
+            </a:r>
+            <a:r>
+              <a:rPr lang="en-US" sz="3699" dirty="0" err="1">
+                <a:solidFill>
+                  <a:srgbClr val="695941"/>
+                </a:solidFill>
+                <a:latin typeface="Barlow Light"/>
+              </a:rPr>
+              <a:t>merupakan</a:t>
+            </a:r>
+            <a:r>
+              <a:rPr lang="en-US" sz="3699" dirty="0">
+                <a:solidFill>
+                  <a:srgbClr val="695941"/>
+                </a:solidFill>
+                <a:latin typeface="Barlow Light"/>
+              </a:rPr>
+              <a:t> </a:t>
+            </a:r>
+            <a:r>
+              <a:rPr lang="en-US" sz="3699" dirty="0" err="1">
+                <a:solidFill>
+                  <a:srgbClr val="695941"/>
+                </a:solidFill>
+                <a:latin typeface="Barlow Light"/>
+              </a:rPr>
+              <a:t>studi</a:t>
+            </a:r>
+            <a:r>
+              <a:rPr lang="en-US" sz="3699" dirty="0">
+                <a:solidFill>
+                  <a:srgbClr val="695941"/>
+                </a:solidFill>
+                <a:latin typeface="Barlow Light"/>
+              </a:rPr>
+              <a:t> yang </a:t>
+            </a:r>
+            <a:r>
+              <a:rPr lang="en-US" sz="3699" dirty="0" err="1">
+                <a:solidFill>
+                  <a:srgbClr val="695941"/>
+                </a:solidFill>
+                <a:latin typeface="Barlow Light"/>
+              </a:rPr>
+              <a:t>mempelajari</a:t>
+            </a:r>
+            <a:r>
+              <a:rPr lang="en-US" sz="3699" dirty="0">
+                <a:solidFill>
+                  <a:srgbClr val="695941"/>
+                </a:solidFill>
+                <a:latin typeface="Barlow Light"/>
+              </a:rPr>
+              <a:t> </a:t>
+            </a:r>
+            <a:r>
+              <a:rPr lang="en-US" sz="3699" dirty="0" err="1">
+                <a:solidFill>
+                  <a:srgbClr val="695941"/>
+                </a:solidFill>
+                <a:latin typeface="Barlow Light"/>
+              </a:rPr>
+              <a:t>opini</a:t>
+            </a:r>
+            <a:r>
+              <a:rPr lang="en-US" sz="3699" dirty="0">
+                <a:solidFill>
+                  <a:srgbClr val="695941"/>
+                </a:solidFill>
+                <a:latin typeface="Barlow Light"/>
+              </a:rPr>
+              <a:t>, </a:t>
+            </a:r>
+            <a:r>
+              <a:rPr lang="en-US" sz="3699" dirty="0" err="1">
+                <a:solidFill>
+                  <a:srgbClr val="695941"/>
+                </a:solidFill>
+                <a:latin typeface="Barlow Light"/>
+              </a:rPr>
+              <a:t>sentimen</a:t>
+            </a:r>
+            <a:r>
+              <a:rPr lang="en-US" sz="3699" dirty="0">
+                <a:solidFill>
+                  <a:srgbClr val="695941"/>
+                </a:solidFill>
+                <a:latin typeface="Barlow Light"/>
+              </a:rPr>
+              <a:t>, </a:t>
+            </a:r>
+            <a:r>
+              <a:rPr lang="en-US" sz="3699" dirty="0" err="1">
+                <a:solidFill>
+                  <a:srgbClr val="695941"/>
+                </a:solidFill>
+                <a:latin typeface="Barlow Light"/>
+              </a:rPr>
+              <a:t>evaluasi</a:t>
+            </a:r>
+            <a:r>
+              <a:rPr lang="en-US" sz="3699" dirty="0">
+                <a:solidFill>
+                  <a:srgbClr val="695941"/>
+                </a:solidFill>
+                <a:latin typeface="Barlow Light"/>
+              </a:rPr>
+              <a:t>, </a:t>
+            </a:r>
+            <a:r>
+              <a:rPr lang="en-US" sz="3699" dirty="0" err="1">
+                <a:solidFill>
+                  <a:srgbClr val="695941"/>
+                </a:solidFill>
+                <a:latin typeface="Barlow Light"/>
+              </a:rPr>
+              <a:t>tingkah</a:t>
+            </a:r>
+            <a:r>
+              <a:rPr lang="en-US" sz="3699" dirty="0">
+                <a:solidFill>
+                  <a:srgbClr val="695941"/>
+                </a:solidFill>
+                <a:latin typeface="Barlow Light"/>
+              </a:rPr>
+              <a:t> </a:t>
+            </a:r>
+            <a:r>
+              <a:rPr lang="en-US" sz="3699" dirty="0" err="1">
+                <a:solidFill>
+                  <a:srgbClr val="695941"/>
+                </a:solidFill>
+                <a:latin typeface="Barlow Light"/>
+              </a:rPr>
+              <a:t>laku</a:t>
+            </a:r>
+            <a:r>
+              <a:rPr lang="en-US" sz="3699" dirty="0">
+                <a:solidFill>
+                  <a:srgbClr val="695941"/>
+                </a:solidFill>
+                <a:latin typeface="Barlow Light"/>
+              </a:rPr>
+              <a:t>, dan </a:t>
+            </a:r>
+            <a:r>
+              <a:rPr lang="en-US" sz="3699" dirty="0" err="1">
+                <a:solidFill>
+                  <a:srgbClr val="695941"/>
+                </a:solidFill>
+                <a:latin typeface="Barlow Light"/>
+              </a:rPr>
+              <a:t>emosi</a:t>
+            </a:r>
+            <a:r>
+              <a:rPr lang="en-US" sz="3699" dirty="0">
+                <a:solidFill>
+                  <a:srgbClr val="695941"/>
+                </a:solidFill>
+                <a:latin typeface="Barlow Light"/>
+              </a:rPr>
+              <a:t> </a:t>
+            </a:r>
+            <a:r>
+              <a:rPr lang="en-US" sz="3699" dirty="0" err="1">
+                <a:solidFill>
+                  <a:srgbClr val="695941"/>
+                </a:solidFill>
+                <a:latin typeface="Barlow Light"/>
+              </a:rPr>
+              <a:t>suatu</a:t>
+            </a:r>
+            <a:r>
+              <a:rPr lang="en-US" sz="3699" dirty="0">
+                <a:solidFill>
+                  <a:srgbClr val="695941"/>
+                </a:solidFill>
+                <a:latin typeface="Barlow Light"/>
+              </a:rPr>
+              <a:t> </a:t>
+            </a:r>
+            <a:r>
+              <a:rPr lang="en-US" sz="3699" dirty="0" err="1">
+                <a:solidFill>
+                  <a:srgbClr val="695941"/>
+                </a:solidFill>
+                <a:latin typeface="Barlow Light"/>
+              </a:rPr>
+              <a:t>entitas</a:t>
+            </a:r>
+            <a:r>
+              <a:rPr lang="en-US" sz="3699" dirty="0">
+                <a:solidFill>
+                  <a:srgbClr val="695941"/>
+                </a:solidFill>
+                <a:latin typeface="Barlow Light"/>
+              </a:rPr>
+              <a:t> </a:t>
             </a:r>
           </a:p>
         </p:txBody>
@@ -38090,8 +38825,8 @@
         </p:nvSpPr>
         <p:spPr>
           <a:xfrm>
-            <a:off x="2590997" y="4585096"/>
-            <a:ext cx="3099191" cy="3358612"/>
+            <a:off x="2504423" y="4353557"/>
+            <a:ext cx="3099191" cy="3845925"/>
           </a:xfrm>
           <a:prstGeom prst="rect">
             <a:avLst/>
@@ -38196,7 +38931,43 @@
                 </a:solidFill>
                 <a:latin typeface="Barlow Light"/>
               </a:rPr>
-              <a:t>pemilu</a:t>
+              <a:t>pemilihan</a:t>
+            </a:r>
+            <a:r>
+              <a:rPr lang="en-US" sz="2700" dirty="0">
+                <a:solidFill>
+                  <a:srgbClr val="695941"/>
+                </a:solidFill>
+                <a:latin typeface="Barlow Light"/>
+              </a:rPr>
+              <a:t> </a:t>
+            </a:r>
+            <a:r>
+              <a:rPr lang="en-US" sz="2700" dirty="0" err="1">
+                <a:solidFill>
+                  <a:srgbClr val="695941"/>
+                </a:solidFill>
+                <a:latin typeface="Barlow Light"/>
+              </a:rPr>
+              <a:t>calon</a:t>
+            </a:r>
+            <a:r>
+              <a:rPr lang="en-US" sz="2700" dirty="0">
+                <a:solidFill>
+                  <a:srgbClr val="695941"/>
+                </a:solidFill>
+                <a:latin typeface="Barlow Light"/>
+              </a:rPr>
+              <a:t> </a:t>
+            </a:r>
+            <a:r>
+              <a:rPr lang="en-US" sz="2700" dirty="0" err="1">
+                <a:solidFill>
+                  <a:srgbClr val="695941"/>
+                </a:solidFill>
+                <a:latin typeface="Barlow Light"/>
+              </a:rPr>
+              <a:t>presiden</a:t>
             </a:r>
             <a:r>
               <a:rPr lang="en-US" sz="2700" dirty="0">

--- a/Prasidang Michael Alfonso V2.pptx
+++ b/Prasidang Michael Alfonso V2.pptx
@@ -4347,7 +4347,7 @@
         </p:nvGrpSpPr>
         <p:grpSpPr>
           <a:xfrm rot="1129566">
-            <a:off x="10474086" y="-1380932"/>
+            <a:off x="10474086" y="-1321180"/>
             <a:ext cx="4014845" cy="13023247"/>
             <a:chOff x="0" y="0"/>
             <a:chExt cx="1057408" cy="3429991"/>
@@ -18542,13 +18542,274 @@
               </a:lnSpc>
             </a:pPr>
             <a:r>
-              <a:rPr lang="en-US" sz="3699">
+              <a:rPr lang="en-US" sz="3699" dirty="0" err="1">
                 <a:solidFill>
                   <a:srgbClr val="695941"/>
                 </a:solidFill>
                 <a:latin typeface="Barlow Light"/>
               </a:rPr>
-              <a:t>Setiap 5 tahun, Pemilihan Umum dilakukan di Indonesia. Jumlah pemilih tercatat terus bertambah sejak tahun 2004 sampai dengan tahun 2019 sebesar 28,90%.</a:t>
+              <a:t>Setiap</a:t>
+            </a:r>
+            <a:r>
+              <a:rPr lang="en-US" sz="3699" dirty="0">
+                <a:solidFill>
+                  <a:srgbClr val="695941"/>
+                </a:solidFill>
+                <a:latin typeface="Barlow Light"/>
+              </a:rPr>
+              <a:t> 5 </a:t>
+            </a:r>
+            <a:r>
+              <a:rPr lang="en-US" sz="3699" dirty="0" err="1">
+                <a:solidFill>
+                  <a:srgbClr val="695941"/>
+                </a:solidFill>
+                <a:latin typeface="Barlow Light"/>
+              </a:rPr>
+              <a:t>tahun</a:t>
+            </a:r>
+            <a:r>
+              <a:rPr lang="en-US" sz="3699" dirty="0">
+                <a:solidFill>
+                  <a:srgbClr val="695941"/>
+                </a:solidFill>
+                <a:latin typeface="Barlow Light"/>
+              </a:rPr>
+              <a:t>, </a:t>
+            </a:r>
+            <a:r>
+              <a:rPr lang="en-US" sz="3699" dirty="0" err="1">
+                <a:solidFill>
+                  <a:srgbClr val="695941"/>
+                </a:solidFill>
+                <a:latin typeface="Barlow Light"/>
+              </a:rPr>
+              <a:t>Pemilihan</a:t>
+            </a:r>
+            <a:r>
+              <a:rPr lang="en-US" sz="3699" dirty="0">
+                <a:solidFill>
+                  <a:srgbClr val="695941"/>
+                </a:solidFill>
+                <a:latin typeface="Barlow Light"/>
+              </a:rPr>
+              <a:t> </a:t>
+            </a:r>
+            <a:r>
+              <a:rPr lang="en-US" sz="3699" dirty="0" err="1">
+                <a:solidFill>
+                  <a:srgbClr val="695941"/>
+                </a:solidFill>
+                <a:latin typeface="Barlow Light"/>
+              </a:rPr>
+              <a:t>Umum</a:t>
+            </a:r>
+            <a:r>
+              <a:rPr lang="en-US" sz="3699" dirty="0">
+                <a:solidFill>
+                  <a:srgbClr val="695941"/>
+                </a:solidFill>
+                <a:latin typeface="Barlow Light"/>
+              </a:rPr>
+              <a:t> </a:t>
+            </a:r>
+            <a:r>
+              <a:rPr lang="en-US" sz="3699" dirty="0" err="1">
+                <a:solidFill>
+                  <a:srgbClr val="695941"/>
+                </a:solidFill>
+                <a:latin typeface="Barlow Light"/>
+              </a:rPr>
+              <a:t>dilakukan</a:t>
+            </a:r>
+            <a:r>
+              <a:rPr lang="en-US" sz="3699" dirty="0">
+                <a:solidFill>
+                  <a:srgbClr val="695941"/>
+                </a:solidFill>
+                <a:latin typeface="Barlow Light"/>
+              </a:rPr>
+              <a:t> di Indonesia. </a:t>
+            </a:r>
+            <a:r>
+              <a:rPr lang="en-US" sz="3699" dirty="0" err="1">
+                <a:solidFill>
+                  <a:srgbClr val="695941"/>
+                </a:solidFill>
+                <a:latin typeface="Barlow Light"/>
+              </a:rPr>
+              <a:t>Jumlah</a:t>
+            </a:r>
+            <a:r>
+              <a:rPr lang="en-US" sz="3699" dirty="0">
+                <a:solidFill>
+                  <a:srgbClr val="695941"/>
+                </a:solidFill>
+                <a:latin typeface="Barlow Light"/>
+              </a:rPr>
+              <a:t> </a:t>
+            </a:r>
+            <a:r>
+              <a:rPr lang="en-US" sz="3699" dirty="0" err="1">
+                <a:solidFill>
+                  <a:srgbClr val="695941"/>
+                </a:solidFill>
+                <a:latin typeface="Barlow Light"/>
+              </a:rPr>
+              <a:t>pemilih</a:t>
+            </a:r>
+            <a:r>
+              <a:rPr lang="en-US" sz="3699" dirty="0">
+                <a:solidFill>
+                  <a:srgbClr val="695941"/>
+                </a:solidFill>
+                <a:latin typeface="Barlow Light"/>
+              </a:rPr>
+              <a:t> </a:t>
+            </a:r>
+            <a:r>
+              <a:rPr lang="en-US" sz="3699" dirty="0" err="1">
+                <a:solidFill>
+                  <a:srgbClr val="695941"/>
+                </a:solidFill>
+                <a:latin typeface="Barlow Light"/>
+              </a:rPr>
+              <a:t>tercatat</a:t>
+            </a:r>
+            <a:r>
+              <a:rPr lang="en-US" sz="3699" dirty="0">
+                <a:solidFill>
+                  <a:srgbClr val="695941"/>
+                </a:solidFill>
+                <a:latin typeface="Barlow Light"/>
+              </a:rPr>
+              <a:t> </a:t>
+            </a:r>
+            <a:r>
+              <a:rPr lang="en-US" sz="3699" dirty="0" err="1">
+                <a:solidFill>
+                  <a:srgbClr val="695941"/>
+                </a:solidFill>
+                <a:latin typeface="Barlow Light"/>
+              </a:rPr>
+              <a:t>terus</a:t>
+            </a:r>
+            <a:r>
+              <a:rPr lang="en-US" sz="3699" dirty="0">
+                <a:solidFill>
+                  <a:srgbClr val="695941"/>
+                </a:solidFill>
+                <a:latin typeface="Barlow Light"/>
+              </a:rPr>
+              <a:t> </a:t>
+            </a:r>
+            <a:r>
+              <a:rPr lang="en-US" sz="3699" dirty="0" err="1">
+                <a:solidFill>
+                  <a:srgbClr val="695941"/>
+                </a:solidFill>
+                <a:latin typeface="Barlow Light"/>
+              </a:rPr>
+              <a:t>bertambah</a:t>
+            </a:r>
+            <a:r>
+              <a:rPr lang="en-US" sz="3699" dirty="0">
+                <a:solidFill>
+                  <a:srgbClr val="695941"/>
+                </a:solidFill>
+                <a:latin typeface="Barlow Light"/>
+              </a:rPr>
+              <a:t> </a:t>
+            </a:r>
+            <a:r>
+              <a:rPr lang="en-US" sz="3699" dirty="0" err="1">
+                <a:solidFill>
+                  <a:srgbClr val="695941"/>
+                </a:solidFill>
+                <a:latin typeface="Barlow Light"/>
+              </a:rPr>
+              <a:t>sejak</a:t>
+            </a:r>
+            <a:r>
+              <a:rPr lang="en-US" sz="3699" dirty="0">
+                <a:solidFill>
+                  <a:srgbClr val="695941"/>
+                </a:solidFill>
+                <a:latin typeface="Barlow Light"/>
+              </a:rPr>
+              <a:t> </a:t>
+            </a:r>
+            <a:r>
+              <a:rPr lang="en-US" sz="3699" dirty="0" err="1">
+                <a:solidFill>
+                  <a:srgbClr val="695941"/>
+                </a:solidFill>
+                <a:latin typeface="Barlow Light"/>
+              </a:rPr>
+              <a:t>tahun</a:t>
+            </a:r>
+            <a:r>
+              <a:rPr lang="en-US" sz="3699" dirty="0">
+                <a:solidFill>
+                  <a:srgbClr val="695941"/>
+                </a:solidFill>
+                <a:latin typeface="Barlow Light"/>
+              </a:rPr>
+              <a:t> 2004 sampai </a:t>
+            </a:r>
+            <a:r>
+              <a:rPr lang="en-US" sz="3699" dirty="0" err="1">
+                <a:solidFill>
+                  <a:srgbClr val="695941"/>
+                </a:solidFill>
+                <a:latin typeface="Barlow Light"/>
+              </a:rPr>
+              <a:t>dengan</a:t>
+            </a:r>
+            <a:r>
+              <a:rPr lang="en-US" sz="3699" dirty="0">
+                <a:solidFill>
+                  <a:srgbClr val="695941"/>
+                </a:solidFill>
+                <a:latin typeface="Barlow Light"/>
+              </a:rPr>
+              <a:t> </a:t>
+            </a:r>
+            <a:r>
+              <a:rPr lang="en-US" sz="3699" dirty="0" err="1">
+                <a:solidFill>
+                  <a:srgbClr val="695941"/>
+                </a:solidFill>
+                <a:latin typeface="Barlow Light"/>
+              </a:rPr>
+              <a:t>tahun</a:t>
+            </a:r>
+            <a:r>
+              <a:rPr lang="en-US" sz="3699" dirty="0">
+                <a:solidFill>
+                  <a:srgbClr val="695941"/>
+                </a:solidFill>
+                <a:latin typeface="Barlow Light"/>
+              </a:rPr>
+              <a:t> 2019 </a:t>
+            </a:r>
+            <a:r>
+              <a:rPr lang="en-US" sz="3699" dirty="0" err="1">
+                <a:solidFill>
+                  <a:srgbClr val="695941"/>
+                </a:solidFill>
+                <a:latin typeface="Barlow Light"/>
+              </a:rPr>
+              <a:t>sebesar</a:t>
+            </a:r>
+            <a:r>
+              <a:rPr lang="en-US" sz="3699" dirty="0">
+                <a:solidFill>
+                  <a:srgbClr val="695941"/>
+                </a:solidFill>
+                <a:latin typeface="Barlow Light"/>
+              </a:rPr>
+              <a:t> 28,90%.</a:t>
             </a:r>
           </a:p>
         </p:txBody>
@@ -18707,21 +18968,27 @@
       </p:sp>
       <p:sp>
         <p:nvSpPr>
-          <p:cNvPr id="34" name="TextBox 34"/>
+          <p:cNvPr id="35" name="TextBox 30">
+            <a:extLst>
+              <a:ext uri="{FF2B5EF4-FFF2-40B4-BE49-F238E27FC236}">
+                <a16:creationId xmlns:a16="http://schemas.microsoft.com/office/drawing/2014/main" id="{63A469DE-1224-4D16-4EB5-75A3A8682D2E}"/>
+              </a:ext>
+            </a:extLst>
+          </p:cNvPr>
           <p:cNvSpPr txBox="1"/>
           <p:nvPr/>
         </p:nvSpPr>
         <p:spPr>
           <a:xfrm>
-            <a:off x="7510517" y="5378081"/>
-            <a:ext cx="9466816" cy="3268015"/>
+            <a:off x="6629400" y="5396162"/>
+            <a:ext cx="9902539" cy="3916457"/>
           </a:xfrm>
           <a:prstGeom prst="rect">
             <a:avLst/>
           </a:prstGeom>
         </p:spPr>
         <p:txBody>
-          <a:bodyPr lIns="0" tIns="0" rIns="0" bIns="0" rtlCol="0" anchor="t">
+          <a:bodyPr wrap="square" lIns="0" tIns="0" rIns="0" bIns="0" rtlCol="0" anchor="t">
             <a:spAutoFit/>
           </a:bodyPr>
           <a:lstStyle/>
@@ -18732,14 +18999,470 @@
               </a:lnSpc>
             </a:pPr>
             <a:r>
-              <a:rPr lang="en-US" sz="3699">
+              <a:rPr lang="en-US" sz="2800" dirty="0" err="1">
                 <a:solidFill>
                   <a:srgbClr val="695941"/>
                 </a:solidFill>
                 <a:latin typeface="Barlow Light"/>
               </a:rPr>
-              <a:t>Media sosial twitter menjadi tempat penyebaran informasi, hiburan bahkan opini politik. Sehingga, pemilihan umum tahun 2024 akan banyak bertebaran di twitter tentang masing-masing calon presiden</a:t>
-            </a:r>
+              <a:t>Menurut</a:t>
+            </a:r>
+            <a:r>
+              <a:rPr lang="en-US" sz="2800" dirty="0">
+                <a:solidFill>
+                  <a:srgbClr val="695941"/>
+                </a:solidFill>
+                <a:latin typeface="Barlow Light"/>
+              </a:rPr>
+              <a:t> Susilo dan </a:t>
+            </a:r>
+            <a:r>
+              <a:rPr lang="en-US" sz="2800" dirty="0" err="1">
+                <a:solidFill>
+                  <a:srgbClr val="695941"/>
+                </a:solidFill>
+                <a:latin typeface="Barlow Light"/>
+              </a:rPr>
+              <a:t>Rochimah</a:t>
+            </a:r>
+            <a:r>
+              <a:rPr lang="en-US" sz="2800" dirty="0">
+                <a:solidFill>
+                  <a:srgbClr val="695941"/>
+                </a:solidFill>
+                <a:latin typeface="Barlow Light"/>
+              </a:rPr>
+              <a:t> (</a:t>
+            </a:r>
+            <a:r>
+              <a:rPr lang="en-US" sz="2800" dirty="0" err="1">
+                <a:solidFill>
+                  <a:srgbClr val="695941"/>
+                </a:solidFill>
+                <a:latin typeface="Barlow Light"/>
+              </a:rPr>
+              <a:t>dalam</a:t>
+            </a:r>
+            <a:r>
+              <a:rPr lang="en-US" sz="2800" dirty="0">
+                <a:solidFill>
+                  <a:srgbClr val="695941"/>
+                </a:solidFill>
+                <a:latin typeface="Barlow Light"/>
+              </a:rPr>
+              <a:t> B. W. Sari and F. F. </a:t>
+            </a:r>
+            <a:r>
+              <a:rPr lang="en-US" sz="2800" dirty="0" err="1">
+                <a:solidFill>
+                  <a:srgbClr val="695941"/>
+                </a:solidFill>
+                <a:latin typeface="Barlow Light"/>
+              </a:rPr>
+              <a:t>Haranto</a:t>
+            </a:r>
+            <a:r>
+              <a:rPr lang="en-US" sz="2800" dirty="0">
+                <a:solidFill>
+                  <a:srgbClr val="695941"/>
+                </a:solidFill>
+                <a:latin typeface="Barlow Light"/>
+              </a:rPr>
+              <a:t>, 2019) Media </a:t>
+            </a:r>
+            <a:r>
+              <a:rPr lang="en-US" sz="2800" dirty="0" err="1">
+                <a:solidFill>
+                  <a:srgbClr val="695941"/>
+                </a:solidFill>
+                <a:latin typeface="Barlow Light"/>
+              </a:rPr>
+              <a:t>sosial</a:t>
+            </a:r>
+            <a:r>
+              <a:rPr lang="en-US" sz="2800" dirty="0">
+                <a:solidFill>
+                  <a:srgbClr val="695941"/>
+                </a:solidFill>
+                <a:latin typeface="Barlow Light"/>
+              </a:rPr>
+              <a:t> </a:t>
+            </a:r>
+            <a:r>
+              <a:rPr lang="en-US" sz="2800" dirty="0" err="1">
+                <a:solidFill>
+                  <a:srgbClr val="695941"/>
+                </a:solidFill>
+                <a:latin typeface="Barlow Light"/>
+              </a:rPr>
+              <a:t>seperti</a:t>
+            </a:r>
+            <a:r>
+              <a:rPr lang="en-US" sz="2800" dirty="0">
+                <a:solidFill>
+                  <a:srgbClr val="695941"/>
+                </a:solidFill>
+                <a:latin typeface="Barlow Light"/>
+              </a:rPr>
+              <a:t> Facebook, Twitter, LinkedIn, YouTube </a:t>
+            </a:r>
+            <a:r>
+              <a:rPr lang="en-US" sz="2800" dirty="0" err="1">
+                <a:solidFill>
+                  <a:srgbClr val="695941"/>
+                </a:solidFill>
+                <a:latin typeface="Barlow Light"/>
+              </a:rPr>
+              <a:t>sudah</a:t>
+            </a:r>
+            <a:r>
+              <a:rPr lang="en-US" sz="2800" dirty="0">
+                <a:solidFill>
+                  <a:srgbClr val="695941"/>
+                </a:solidFill>
+                <a:latin typeface="Barlow Light"/>
+              </a:rPr>
+              <a:t> </a:t>
+            </a:r>
+            <a:r>
+              <a:rPr lang="en-US" sz="2800" dirty="0" err="1">
+                <a:solidFill>
+                  <a:srgbClr val="695941"/>
+                </a:solidFill>
+                <a:latin typeface="Barlow Light"/>
+              </a:rPr>
+              <a:t>menjadi</a:t>
+            </a:r>
+            <a:r>
+              <a:rPr lang="en-US" sz="2800" dirty="0">
+                <a:solidFill>
+                  <a:srgbClr val="695941"/>
+                </a:solidFill>
+                <a:latin typeface="Barlow Light"/>
+              </a:rPr>
+              <a:t> </a:t>
+            </a:r>
+            <a:r>
+              <a:rPr lang="en-US" sz="2800" dirty="0" err="1">
+                <a:solidFill>
+                  <a:srgbClr val="695941"/>
+                </a:solidFill>
+                <a:latin typeface="Barlow Light"/>
+              </a:rPr>
+              <a:t>bagian</a:t>
+            </a:r>
+            <a:r>
+              <a:rPr lang="en-US" sz="2800" dirty="0">
+                <a:solidFill>
+                  <a:srgbClr val="695941"/>
+                </a:solidFill>
+                <a:latin typeface="Barlow Light"/>
+              </a:rPr>
+              <a:t> </a:t>
+            </a:r>
+            <a:r>
+              <a:rPr lang="en-US" sz="2800" dirty="0" err="1">
+                <a:solidFill>
+                  <a:srgbClr val="695941"/>
+                </a:solidFill>
+                <a:latin typeface="Barlow Light"/>
+              </a:rPr>
+              <a:t>dari</a:t>
+            </a:r>
+            <a:r>
+              <a:rPr lang="en-US" sz="2800" dirty="0">
+                <a:solidFill>
+                  <a:srgbClr val="695941"/>
+                </a:solidFill>
+                <a:latin typeface="Barlow Light"/>
+              </a:rPr>
+              <a:t> </a:t>
+            </a:r>
+            <a:r>
+              <a:rPr lang="en-US" sz="2800" dirty="0" err="1">
+                <a:solidFill>
+                  <a:srgbClr val="695941"/>
+                </a:solidFill>
+                <a:latin typeface="Barlow Light"/>
+              </a:rPr>
+              <a:t>kehidupan</a:t>
+            </a:r>
+            <a:r>
+              <a:rPr lang="en-US" sz="2800" dirty="0">
+                <a:solidFill>
+                  <a:srgbClr val="695941"/>
+                </a:solidFill>
+                <a:latin typeface="Barlow Light"/>
+              </a:rPr>
+              <a:t> </a:t>
+            </a:r>
+            <a:r>
+              <a:rPr lang="en-US" sz="2800" dirty="0" err="1">
+                <a:solidFill>
+                  <a:srgbClr val="695941"/>
+                </a:solidFill>
+                <a:latin typeface="Barlow Light"/>
+              </a:rPr>
+              <a:t>manusia</a:t>
+            </a:r>
+            <a:r>
+              <a:rPr lang="en-US" sz="2800" dirty="0">
+                <a:solidFill>
+                  <a:srgbClr val="695941"/>
+                </a:solidFill>
+                <a:latin typeface="Barlow Light"/>
+              </a:rPr>
+              <a:t>, </a:t>
+            </a:r>
+            <a:r>
+              <a:rPr lang="en-US" sz="2800" dirty="0" err="1">
+                <a:solidFill>
+                  <a:srgbClr val="695941"/>
+                </a:solidFill>
+                <a:latin typeface="Barlow Light"/>
+              </a:rPr>
+              <a:t>dibuktikan</a:t>
+            </a:r>
+            <a:r>
+              <a:rPr lang="en-US" sz="2800" dirty="0">
+                <a:solidFill>
+                  <a:srgbClr val="695941"/>
+                </a:solidFill>
+                <a:latin typeface="Barlow Light"/>
+              </a:rPr>
+              <a:t> </a:t>
+            </a:r>
+            <a:r>
+              <a:rPr lang="en-US" sz="2800" dirty="0" err="1">
+                <a:solidFill>
+                  <a:srgbClr val="695941"/>
+                </a:solidFill>
+                <a:latin typeface="Barlow Light"/>
+              </a:rPr>
+              <a:t>dengan</a:t>
+            </a:r>
+            <a:r>
+              <a:rPr lang="en-US" sz="2800" dirty="0">
+                <a:solidFill>
+                  <a:srgbClr val="695941"/>
+                </a:solidFill>
+                <a:latin typeface="Barlow Light"/>
+              </a:rPr>
+              <a:t> </a:t>
+            </a:r>
+            <a:r>
+              <a:rPr lang="en-US" sz="2800" dirty="0" err="1">
+                <a:solidFill>
+                  <a:srgbClr val="695941"/>
+                </a:solidFill>
+                <a:latin typeface="Barlow Light"/>
+              </a:rPr>
+              <a:t>cara</a:t>
+            </a:r>
+            <a:r>
+              <a:rPr lang="en-US" sz="2800" dirty="0">
+                <a:solidFill>
+                  <a:srgbClr val="695941"/>
+                </a:solidFill>
+                <a:latin typeface="Barlow Light"/>
+              </a:rPr>
+              <a:t> </a:t>
+            </a:r>
+            <a:r>
+              <a:rPr lang="en-US" sz="2800" dirty="0" err="1">
+                <a:solidFill>
+                  <a:srgbClr val="695941"/>
+                </a:solidFill>
+                <a:latin typeface="Barlow Light"/>
+              </a:rPr>
+              <a:t>berinteraksi</a:t>
+            </a:r>
+            <a:r>
+              <a:rPr lang="en-US" sz="2800" dirty="0">
+                <a:solidFill>
+                  <a:srgbClr val="695941"/>
+                </a:solidFill>
+                <a:latin typeface="Barlow Light"/>
+              </a:rPr>
+              <a:t> </a:t>
+            </a:r>
+            <a:r>
+              <a:rPr lang="en-US" sz="2800" dirty="0" err="1">
+                <a:solidFill>
+                  <a:srgbClr val="695941"/>
+                </a:solidFill>
+                <a:latin typeface="Barlow Light"/>
+              </a:rPr>
+              <a:t>kebanyakan</a:t>
+            </a:r>
+            <a:r>
+              <a:rPr lang="en-US" sz="2800" dirty="0">
+                <a:solidFill>
+                  <a:srgbClr val="695941"/>
+                </a:solidFill>
+                <a:latin typeface="Barlow Light"/>
+              </a:rPr>
+              <a:t> </a:t>
+            </a:r>
+            <a:r>
+              <a:rPr lang="en-US" sz="2800" dirty="0" err="1">
+                <a:solidFill>
+                  <a:srgbClr val="695941"/>
+                </a:solidFill>
+                <a:latin typeface="Barlow Light"/>
+              </a:rPr>
+              <a:t>dapat</a:t>
+            </a:r>
+            <a:r>
+              <a:rPr lang="en-US" sz="2800" dirty="0">
+                <a:solidFill>
+                  <a:srgbClr val="695941"/>
+                </a:solidFill>
+                <a:latin typeface="Barlow Light"/>
+              </a:rPr>
+              <a:t> </a:t>
+            </a:r>
+            <a:r>
+              <a:rPr lang="en-US" sz="2800" dirty="0" err="1">
+                <a:solidFill>
+                  <a:srgbClr val="695941"/>
+                </a:solidFill>
+                <a:latin typeface="Barlow Light"/>
+              </a:rPr>
+              <a:t>dilakukan</a:t>
+            </a:r>
+            <a:r>
+              <a:rPr lang="en-US" sz="2800" dirty="0">
+                <a:solidFill>
+                  <a:srgbClr val="695941"/>
+                </a:solidFill>
+                <a:latin typeface="Barlow Light"/>
+              </a:rPr>
+              <a:t> </a:t>
+            </a:r>
+            <a:r>
+              <a:rPr lang="en-US" sz="2800" dirty="0" err="1">
+                <a:solidFill>
+                  <a:srgbClr val="695941"/>
+                </a:solidFill>
+                <a:latin typeface="Barlow Light"/>
+              </a:rPr>
+              <a:t>dengan</a:t>
+            </a:r>
+            <a:r>
+              <a:rPr lang="en-US" sz="2800" dirty="0">
+                <a:solidFill>
+                  <a:srgbClr val="695941"/>
+                </a:solidFill>
+                <a:latin typeface="Barlow Light"/>
+              </a:rPr>
+              <a:t> </a:t>
+            </a:r>
+            <a:r>
+              <a:rPr lang="en-US" sz="2800" dirty="0" err="1">
+                <a:solidFill>
+                  <a:srgbClr val="695941"/>
+                </a:solidFill>
+                <a:latin typeface="Barlow Light"/>
+              </a:rPr>
+              <a:t>sosia</a:t>
+            </a:r>
+            <a:r>
+              <a:rPr lang="en-US" sz="2800" dirty="0">
+                <a:solidFill>
+                  <a:srgbClr val="695941"/>
+                </a:solidFill>
+                <a:latin typeface="Barlow Light"/>
+              </a:rPr>
+              <a:t> media, sampai </a:t>
+            </a:r>
+            <a:r>
+              <a:rPr lang="en-US" sz="2800" dirty="0" err="1">
+                <a:solidFill>
+                  <a:srgbClr val="695941"/>
+                </a:solidFill>
+                <a:latin typeface="Barlow Light"/>
+              </a:rPr>
+              <a:t>menjadi</a:t>
+            </a:r>
+            <a:r>
+              <a:rPr lang="en-US" sz="2800" dirty="0">
+                <a:solidFill>
+                  <a:srgbClr val="695941"/>
+                </a:solidFill>
+                <a:latin typeface="Barlow Light"/>
+              </a:rPr>
+              <a:t> </a:t>
+            </a:r>
+            <a:r>
+              <a:rPr lang="en-US" sz="2800" dirty="0" err="1">
+                <a:solidFill>
+                  <a:srgbClr val="695941"/>
+                </a:solidFill>
+                <a:latin typeface="Barlow Light"/>
+              </a:rPr>
+              <a:t>identitas</a:t>
+            </a:r>
+            <a:r>
+              <a:rPr lang="en-US" sz="2800" dirty="0">
+                <a:solidFill>
+                  <a:srgbClr val="695941"/>
+                </a:solidFill>
+                <a:latin typeface="Barlow Light"/>
+              </a:rPr>
+              <a:t> </a:t>
+            </a:r>
+            <a:r>
+              <a:rPr lang="en-US" sz="2800" dirty="0" err="1">
+                <a:solidFill>
+                  <a:srgbClr val="695941"/>
+                </a:solidFill>
+                <a:latin typeface="Barlow Light"/>
+              </a:rPr>
+              <a:t>diri</a:t>
+            </a:r>
+            <a:r>
+              <a:rPr lang="en-US" sz="2800" dirty="0">
+                <a:solidFill>
+                  <a:srgbClr val="695941"/>
+                </a:solidFill>
+                <a:latin typeface="Barlow Light"/>
+              </a:rPr>
+              <a:t> ke </a:t>
+            </a:r>
+            <a:r>
+              <a:rPr lang="en-US" sz="2800" dirty="0" err="1">
+                <a:solidFill>
+                  <a:srgbClr val="695941"/>
+                </a:solidFill>
+                <a:latin typeface="Barlow Light"/>
+              </a:rPr>
+              <a:t>masyarakat</a:t>
+            </a:r>
+            <a:r>
+              <a:rPr lang="en-US" sz="2800" dirty="0">
+                <a:solidFill>
+                  <a:srgbClr val="695941"/>
+                </a:solidFill>
+                <a:latin typeface="Barlow Light"/>
+              </a:rPr>
+              <a:t> </a:t>
+            </a:r>
+            <a:r>
+              <a:rPr lang="en-US" sz="2800" dirty="0" err="1">
+                <a:solidFill>
+                  <a:srgbClr val="695941"/>
+                </a:solidFill>
+                <a:latin typeface="Barlow Light"/>
+              </a:rPr>
+              <a:t>umum</a:t>
+            </a:r>
+            <a:endParaRPr lang="en-US" sz="2800" dirty="0">
+              <a:solidFill>
+                <a:srgbClr val="695941"/>
+              </a:solidFill>
+              <a:latin typeface="Barlow Light"/>
+            </a:endParaRPr>
           </a:p>
         </p:txBody>
       </p:sp>
@@ -32488,13 +33211,265 @@
               </a:lnSpc>
             </a:pPr>
             <a:r>
-              <a:rPr lang="en-US" sz="3000">
+              <a:rPr lang="en-US" sz="3000" dirty="0">
                 <a:solidFill>
                   <a:srgbClr val="FFFFFF"/>
                 </a:solidFill>
                 <a:latin typeface="Barlow Light Bold"/>
               </a:rPr>
-              <a:t>Fold Terbaik untuk masing-masing calon adalah fold ke-8 dengan f1-score 0,66 untuk calon Anies Baswedan, fold ke-5 dengan f1-score 0,72 untuk calon Ganjar Pranowo, dan fold ke-4 dengan f1-score 0,78 untuk calon Prabowo Subianto.</a:t>
+              <a:t>Fold </a:t>
+            </a:r>
+            <a:r>
+              <a:rPr lang="en-US" sz="3000" dirty="0" err="1">
+                <a:solidFill>
+                  <a:srgbClr val="FFFFFF"/>
+                </a:solidFill>
+                <a:latin typeface="Barlow Light Bold"/>
+              </a:rPr>
+              <a:t>Terbaik</a:t>
+            </a:r>
+            <a:r>
+              <a:rPr lang="en-US" sz="3000" dirty="0">
+                <a:solidFill>
+                  <a:srgbClr val="FFFFFF"/>
+                </a:solidFill>
+                <a:latin typeface="Barlow Light Bold"/>
+              </a:rPr>
+              <a:t> untuk masing-masing </a:t>
+            </a:r>
+            <a:r>
+              <a:rPr lang="en-US" sz="3000" dirty="0" err="1">
+                <a:solidFill>
+                  <a:srgbClr val="FFFFFF"/>
+                </a:solidFill>
+                <a:latin typeface="Barlow Light Bold"/>
+              </a:rPr>
+              <a:t>calon</a:t>
+            </a:r>
+            <a:r>
+              <a:rPr lang="en-US" sz="3000" dirty="0">
+                <a:solidFill>
+                  <a:srgbClr val="FFFFFF"/>
+                </a:solidFill>
+                <a:latin typeface="Barlow Light Bold"/>
+              </a:rPr>
+              <a:t> </a:t>
+            </a:r>
+            <a:r>
+              <a:rPr lang="en-US" sz="3000" dirty="0" err="1">
+                <a:solidFill>
+                  <a:srgbClr val="FFFFFF"/>
+                </a:solidFill>
+                <a:latin typeface="Barlow Light Bold"/>
+              </a:rPr>
+              <a:t>adalah</a:t>
+            </a:r>
+            <a:r>
+              <a:rPr lang="en-US" sz="3000" dirty="0">
+                <a:solidFill>
+                  <a:srgbClr val="FFFFFF"/>
+                </a:solidFill>
+                <a:latin typeface="Barlow Light Bold"/>
+              </a:rPr>
+              <a:t> fold ke-8 </a:t>
+            </a:r>
+            <a:r>
+              <a:rPr lang="en-US" sz="3000" dirty="0" err="1">
+                <a:solidFill>
+                  <a:srgbClr val="FFFFFF"/>
+                </a:solidFill>
+                <a:latin typeface="Barlow Light Bold"/>
+              </a:rPr>
+              <a:t>dengan</a:t>
+            </a:r>
+            <a:r>
+              <a:rPr lang="en-US" sz="3000" dirty="0">
+                <a:solidFill>
+                  <a:srgbClr val="FFFFFF"/>
+                </a:solidFill>
+                <a:latin typeface="Barlow Light Bold"/>
+              </a:rPr>
+              <a:t> f1-score 0,66 untuk </a:t>
+            </a:r>
+            <a:r>
+              <a:rPr lang="en-US" sz="3000" dirty="0" err="1">
+                <a:solidFill>
+                  <a:srgbClr val="FFFFFF"/>
+                </a:solidFill>
+                <a:latin typeface="Barlow Light Bold"/>
+              </a:rPr>
+              <a:t>calon</a:t>
+            </a:r>
+            <a:r>
+              <a:rPr lang="en-US" sz="3000" dirty="0">
+                <a:solidFill>
+                  <a:srgbClr val="FFFFFF"/>
+                </a:solidFill>
+                <a:latin typeface="Barlow Light Bold"/>
+              </a:rPr>
+              <a:t> </a:t>
+            </a:r>
+            <a:r>
+              <a:rPr lang="en-US" sz="3000" dirty="0" err="1">
+                <a:solidFill>
+                  <a:srgbClr val="FFFFFF"/>
+                </a:solidFill>
+                <a:latin typeface="Barlow Light Bold"/>
+              </a:rPr>
+              <a:t>Anies</a:t>
+            </a:r>
+            <a:r>
+              <a:rPr lang="en-US" sz="3000" dirty="0">
+                <a:solidFill>
+                  <a:srgbClr val="FFFFFF"/>
+                </a:solidFill>
+                <a:latin typeface="Barlow Light Bold"/>
+              </a:rPr>
+              <a:t> </a:t>
+            </a:r>
+            <a:r>
+              <a:rPr lang="en-US" sz="3000" dirty="0" err="1">
+                <a:solidFill>
+                  <a:srgbClr val="FFFFFF"/>
+                </a:solidFill>
+                <a:latin typeface="Barlow Light Bold"/>
+              </a:rPr>
+              <a:t>Baswedan</a:t>
+            </a:r>
+            <a:r>
+              <a:rPr lang="en-US" sz="3000" dirty="0">
+                <a:solidFill>
+                  <a:srgbClr val="FFFFFF"/>
+                </a:solidFill>
+                <a:latin typeface="Barlow Light Bold"/>
+              </a:rPr>
+              <a:t>, fold ke-5 </a:t>
+            </a:r>
+            <a:r>
+              <a:rPr lang="en-US" sz="3000" dirty="0" err="1">
+                <a:solidFill>
+                  <a:srgbClr val="FFFFFF"/>
+                </a:solidFill>
+                <a:latin typeface="Barlow Light Bold"/>
+              </a:rPr>
+              <a:t>dengan</a:t>
+            </a:r>
+            <a:r>
+              <a:rPr lang="en-US" sz="3000" dirty="0">
+                <a:solidFill>
+                  <a:srgbClr val="FFFFFF"/>
+                </a:solidFill>
+                <a:latin typeface="Barlow Light Bold"/>
+              </a:rPr>
+              <a:t> f1-score 0,72 untuk </a:t>
+            </a:r>
+            <a:r>
+              <a:rPr lang="en-US" sz="3000" dirty="0" err="1">
+                <a:solidFill>
+                  <a:srgbClr val="FFFFFF"/>
+                </a:solidFill>
+                <a:latin typeface="Barlow Light Bold"/>
+              </a:rPr>
+              <a:t>calon</a:t>
+            </a:r>
+            <a:r>
+              <a:rPr lang="en-US" sz="3000" dirty="0">
+                <a:solidFill>
+                  <a:srgbClr val="FFFFFF"/>
+                </a:solidFill>
+                <a:latin typeface="Barlow Light Bold"/>
+              </a:rPr>
+              <a:t> </a:t>
+            </a:r>
+            <a:r>
+              <a:rPr lang="en-US" sz="3000" dirty="0" err="1">
+                <a:solidFill>
+                  <a:srgbClr val="FFFFFF"/>
+                </a:solidFill>
+                <a:latin typeface="Barlow Light Bold"/>
+              </a:rPr>
+              <a:t>Ganjar</a:t>
+            </a:r>
+            <a:r>
+              <a:rPr lang="en-US" sz="3000" dirty="0">
+                <a:solidFill>
+                  <a:srgbClr val="FFFFFF"/>
+                </a:solidFill>
+                <a:latin typeface="Barlow Light Bold"/>
+              </a:rPr>
+              <a:t> </a:t>
+            </a:r>
+            <a:r>
+              <a:rPr lang="en-US" sz="3000" dirty="0" err="1">
+                <a:solidFill>
+                  <a:srgbClr val="FFFFFF"/>
+                </a:solidFill>
+                <a:latin typeface="Barlow Light Bold"/>
+              </a:rPr>
+              <a:t>Pranowo</a:t>
+            </a:r>
+            <a:r>
+              <a:rPr lang="en-US" sz="3000" dirty="0">
+                <a:solidFill>
+                  <a:srgbClr val="FFFFFF"/>
+                </a:solidFill>
+                <a:latin typeface="Barlow Light Bold"/>
+              </a:rPr>
+              <a:t>, dan fold ke-4 </a:t>
+            </a:r>
+            <a:r>
+              <a:rPr lang="en-US" sz="3000" dirty="0" err="1">
+                <a:solidFill>
+                  <a:srgbClr val="FFFFFF"/>
+                </a:solidFill>
+                <a:latin typeface="Barlow Light Bold"/>
+              </a:rPr>
+              <a:t>dengan</a:t>
+            </a:r>
+            <a:r>
+              <a:rPr lang="en-US" sz="3000" dirty="0">
+                <a:solidFill>
+                  <a:srgbClr val="FFFFFF"/>
+                </a:solidFill>
+                <a:latin typeface="Barlow Light Bold"/>
+              </a:rPr>
+              <a:t> f1-score 0,78 untuk </a:t>
+            </a:r>
+            <a:r>
+              <a:rPr lang="en-US" sz="3000" dirty="0" err="1">
+                <a:solidFill>
+                  <a:srgbClr val="FFFFFF"/>
+                </a:solidFill>
+                <a:latin typeface="Barlow Light Bold"/>
+              </a:rPr>
+              <a:t>calon</a:t>
+            </a:r>
+            <a:r>
+              <a:rPr lang="en-US" sz="3000" dirty="0">
+                <a:solidFill>
+                  <a:srgbClr val="FFFFFF"/>
+                </a:solidFill>
+                <a:latin typeface="Barlow Light Bold"/>
+              </a:rPr>
+              <a:t> Prabowo </a:t>
+            </a:r>
+            <a:r>
+              <a:rPr lang="en-US" sz="3000" dirty="0" err="1">
+                <a:solidFill>
+                  <a:srgbClr val="FFFFFF"/>
+                </a:solidFill>
+                <a:latin typeface="Barlow Light Bold"/>
+              </a:rPr>
+              <a:t>Subianto</a:t>
+            </a:r>
+            <a:r>
+              <a:rPr lang="en-US" sz="3000" dirty="0">
+                <a:solidFill>
+                  <a:srgbClr val="FFFFFF"/>
+                </a:solidFill>
+                <a:latin typeface="Barlow Light Bold"/>
+              </a:rPr>
+              <a:t>.</a:t>
             </a:r>
           </a:p>
         </p:txBody>
@@ -32624,13 +33599,616 @@
               </a:lnSpc>
             </a:pPr>
             <a:r>
+              <a:rPr lang="en-US" sz="3000" dirty="0" err="1">
+                <a:solidFill>
+                  <a:srgbClr val="FFFFFF"/>
+                </a:solidFill>
+                <a:latin typeface="Barlow Light Bold"/>
+              </a:rPr>
+              <a:t>Korelasi</a:t>
+            </a:r>
+            <a:r>
+              <a:rPr lang="en-US" sz="3000" dirty="0">
+                <a:solidFill>
+                  <a:srgbClr val="FFFFFF"/>
+                </a:solidFill>
+                <a:latin typeface="Barlow Light Bold"/>
+              </a:rPr>
+              <a:t> </a:t>
+            </a:r>
+            <a:r>
+              <a:rPr lang="en-US" sz="3000" dirty="0" err="1">
+                <a:solidFill>
+                  <a:srgbClr val="FFFFFF"/>
+                </a:solidFill>
+                <a:latin typeface="Barlow Light Bold"/>
+              </a:rPr>
+              <a:t>antara</a:t>
+            </a:r>
+            <a:r>
+              <a:rPr lang="en-US" sz="3000" dirty="0">
+                <a:solidFill>
+                  <a:srgbClr val="FFFFFF"/>
+                </a:solidFill>
+                <a:latin typeface="Barlow Light Bold"/>
+              </a:rPr>
+              <a:t> data sentiment </a:t>
+            </a:r>
+            <a:r>
+              <a:rPr lang="en-US" sz="3000" dirty="0" err="1">
+                <a:solidFill>
+                  <a:srgbClr val="FFFFFF"/>
+                </a:solidFill>
+                <a:latin typeface="Barlow Light Bold"/>
+              </a:rPr>
+              <a:t>dengan</a:t>
+            </a:r>
+            <a:r>
+              <a:rPr lang="en-US" sz="3000" dirty="0">
+                <a:solidFill>
+                  <a:srgbClr val="FFFFFF"/>
+                </a:solidFill>
+                <a:latin typeface="Barlow Light Bold"/>
+              </a:rPr>
+              <a:t> survey </a:t>
+            </a:r>
+            <a:r>
               <a:rPr lang="en-US" sz="3000">
                 <a:solidFill>
                   <a:srgbClr val="FFFFFF"/>
                 </a:solidFill>
                 <a:latin typeface="Barlow Light Bold"/>
               </a:rPr>
-              <a:t>Korelasi antara data sentiment dengan survey elektabilitas memiliki hubungan kuat yang searah. Sehingga dapat disimpulkan adanya keterkaitan antara sentimen dengan survei elektabilitas portal berita. Disimpulkan dari 3 calon presiden bahwa semakin tinggi sentimen positif, maka semakin tinggi elektabilitas calon tersebut.</a:t>
+              <a:t>elektabilitas</a:t>
+            </a:r>
+            <a:r>
+              <a:rPr lang="en-US" sz="3000" dirty="0">
+                <a:solidFill>
+                  <a:srgbClr val="FFFFFF"/>
+                </a:solidFill>
+                <a:latin typeface="Barlow Light Bold"/>
+              </a:rPr>
+              <a:t> </a:t>
+            </a:r>
+            <a:r>
+              <a:rPr lang="en-US" sz="3000" dirty="0" err="1">
+                <a:solidFill>
+                  <a:srgbClr val="FFFFFF"/>
+                </a:solidFill>
+                <a:latin typeface="Barlow Light Bold"/>
+              </a:rPr>
+              <a:t>memiliki</a:t>
+            </a:r>
+            <a:r>
+              <a:rPr lang="en-US" sz="3000" dirty="0">
+                <a:solidFill>
+                  <a:srgbClr val="FFFFFF"/>
+                </a:solidFill>
+                <a:latin typeface="Barlow Light Bold"/>
+              </a:rPr>
+              <a:t> </a:t>
+            </a:r>
+            <a:r>
+              <a:rPr lang="en-US" sz="3000" dirty="0" err="1">
+                <a:solidFill>
+                  <a:srgbClr val="FFFFFF"/>
+                </a:solidFill>
+                <a:latin typeface="Barlow Light Bold"/>
+              </a:rPr>
+              <a:t>hubungan</a:t>
+            </a:r>
+            <a:r>
+              <a:rPr lang="en-US" sz="3000" dirty="0">
+                <a:solidFill>
+                  <a:srgbClr val="FFFFFF"/>
+                </a:solidFill>
+                <a:latin typeface="Barlow Light Bold"/>
+              </a:rPr>
+              <a:t> </a:t>
+            </a:r>
+            <a:r>
+              <a:rPr lang="en-US" sz="3000" dirty="0" err="1">
+                <a:solidFill>
+                  <a:srgbClr val="FFFFFF"/>
+                </a:solidFill>
+                <a:latin typeface="Barlow Light Bold"/>
+              </a:rPr>
+              <a:t>kuat</a:t>
+            </a:r>
+            <a:r>
+              <a:rPr lang="en-US" sz="3000" dirty="0">
+                <a:solidFill>
+                  <a:srgbClr val="FFFFFF"/>
+                </a:solidFill>
+                <a:latin typeface="Barlow Light Bold"/>
+              </a:rPr>
+              <a:t> yang </a:t>
+            </a:r>
+            <a:r>
+              <a:rPr lang="en-US" sz="3000" dirty="0" err="1">
+                <a:solidFill>
+                  <a:srgbClr val="FFFFFF"/>
+                </a:solidFill>
+                <a:latin typeface="Barlow Light Bold"/>
+              </a:rPr>
+              <a:t>searah</a:t>
+            </a:r>
+            <a:r>
+              <a:rPr lang="en-US" sz="3000" dirty="0">
+                <a:solidFill>
+                  <a:srgbClr val="FFFFFF"/>
+                </a:solidFill>
+                <a:latin typeface="Barlow Light Bold"/>
+              </a:rPr>
+              <a:t>. </a:t>
+            </a:r>
+            <a:r>
+              <a:rPr lang="en-US" sz="3000" dirty="0" err="1">
+                <a:solidFill>
+                  <a:srgbClr val="FFFFFF"/>
+                </a:solidFill>
+                <a:latin typeface="Barlow Light Bold"/>
+              </a:rPr>
+              <a:t>Sehingga</a:t>
+            </a:r>
+            <a:r>
+              <a:rPr lang="en-US" sz="3000" dirty="0">
+                <a:solidFill>
+                  <a:srgbClr val="FFFFFF"/>
+                </a:solidFill>
+                <a:latin typeface="Barlow Light Bold"/>
+              </a:rPr>
+              <a:t> </a:t>
+            </a:r>
+            <a:r>
+              <a:rPr lang="en-US" sz="3000" dirty="0" err="1">
+                <a:solidFill>
+                  <a:srgbClr val="FFFFFF"/>
+                </a:solidFill>
+                <a:latin typeface="Barlow Light Bold"/>
+              </a:rPr>
+              <a:t>dapat</a:t>
+            </a:r>
+            <a:r>
+              <a:rPr lang="en-US" sz="3000" dirty="0">
+                <a:solidFill>
+                  <a:srgbClr val="FFFFFF"/>
+                </a:solidFill>
+                <a:latin typeface="Barlow Light Bold"/>
+              </a:rPr>
+              <a:t> </a:t>
+            </a:r>
+            <a:r>
+              <a:rPr lang="en-US" sz="3000" dirty="0" err="1">
+                <a:solidFill>
+                  <a:srgbClr val="FFFFFF"/>
+                </a:solidFill>
+                <a:latin typeface="Barlow Light Bold"/>
+              </a:rPr>
+              <a:t>disimpulkan</a:t>
+            </a:r>
+            <a:r>
+              <a:rPr lang="en-US" sz="3000" dirty="0">
+                <a:solidFill>
+                  <a:srgbClr val="FFFFFF"/>
+                </a:solidFill>
+                <a:latin typeface="Barlow Light Bold"/>
+              </a:rPr>
+              <a:t> </a:t>
+            </a:r>
+            <a:r>
+              <a:rPr lang="en-US" sz="3000" dirty="0" err="1">
+                <a:solidFill>
+                  <a:srgbClr val="FFFFFF"/>
+                </a:solidFill>
+                <a:latin typeface="Barlow Light Bold"/>
+              </a:rPr>
+              <a:t>adanya</a:t>
+            </a:r>
+            <a:r>
+              <a:rPr lang="en-US" sz="3000" dirty="0">
+                <a:solidFill>
+                  <a:srgbClr val="FFFFFF"/>
+                </a:solidFill>
+                <a:latin typeface="Barlow Light Bold"/>
+              </a:rPr>
+              <a:t> </a:t>
+            </a:r>
+            <a:r>
+              <a:rPr lang="en-US" sz="3000" dirty="0" err="1">
+                <a:solidFill>
+                  <a:srgbClr val="FFFFFF"/>
+                </a:solidFill>
+                <a:latin typeface="Barlow Light Bold"/>
+              </a:rPr>
+              <a:t>keterkaitan</a:t>
+            </a:r>
+            <a:r>
+              <a:rPr lang="en-US" sz="3000" dirty="0">
+                <a:solidFill>
+                  <a:srgbClr val="FFFFFF"/>
+                </a:solidFill>
+                <a:latin typeface="Barlow Light Bold"/>
+              </a:rPr>
+              <a:t> </a:t>
+            </a:r>
+            <a:r>
+              <a:rPr lang="en-US" sz="3000" dirty="0" err="1">
+                <a:solidFill>
+                  <a:srgbClr val="FFFFFF"/>
+                </a:solidFill>
+                <a:latin typeface="Barlow Light Bold"/>
+              </a:rPr>
+              <a:t>antara</a:t>
+            </a:r>
+            <a:r>
+              <a:rPr lang="en-US" sz="3000" dirty="0">
+                <a:solidFill>
+                  <a:srgbClr val="FFFFFF"/>
+                </a:solidFill>
+                <a:latin typeface="Barlow Light Bold"/>
+              </a:rPr>
+              <a:t> </a:t>
+            </a:r>
+            <a:r>
+              <a:rPr lang="en-US" sz="3000" dirty="0" err="1">
+                <a:solidFill>
+                  <a:srgbClr val="FFFFFF"/>
+                </a:solidFill>
+                <a:latin typeface="Barlow Light Bold"/>
+              </a:rPr>
+              <a:t>sentimen</a:t>
+            </a:r>
+            <a:r>
+              <a:rPr lang="en-US" sz="3000" dirty="0">
+                <a:solidFill>
+                  <a:srgbClr val="FFFFFF"/>
+                </a:solidFill>
+                <a:latin typeface="Barlow Light Bold"/>
+              </a:rPr>
+              <a:t> </a:t>
+            </a:r>
+            <a:r>
+              <a:rPr lang="en-US" sz="3000" dirty="0" err="1">
+                <a:solidFill>
+                  <a:srgbClr val="FFFFFF"/>
+                </a:solidFill>
+                <a:latin typeface="Barlow Light Bold"/>
+              </a:rPr>
+              <a:t>dengan</a:t>
+            </a:r>
+            <a:r>
+              <a:rPr lang="en-US" sz="3000" dirty="0">
+                <a:solidFill>
+                  <a:srgbClr val="FFFFFF"/>
+                </a:solidFill>
+                <a:latin typeface="Barlow Light Bold"/>
+              </a:rPr>
+              <a:t> </a:t>
+            </a:r>
+            <a:r>
+              <a:rPr lang="en-US" sz="3000" dirty="0" err="1">
+                <a:solidFill>
+                  <a:srgbClr val="FFFFFF"/>
+                </a:solidFill>
+                <a:latin typeface="Barlow Light Bold"/>
+              </a:rPr>
+              <a:t>survei</a:t>
+            </a:r>
+            <a:r>
+              <a:rPr lang="en-US" sz="3000" dirty="0">
+                <a:solidFill>
+                  <a:srgbClr val="FFFFFF"/>
+                </a:solidFill>
+                <a:latin typeface="Barlow Light Bold"/>
+              </a:rPr>
+              <a:t> </a:t>
+            </a:r>
+            <a:r>
+              <a:rPr lang="en-US" sz="3000" dirty="0" err="1">
+                <a:solidFill>
+                  <a:srgbClr val="FFFFFF"/>
+                </a:solidFill>
+                <a:latin typeface="Barlow Light Bold"/>
+              </a:rPr>
+              <a:t>elektabilitas</a:t>
+            </a:r>
+            <a:r>
+              <a:rPr lang="en-US" sz="3000" dirty="0">
+                <a:solidFill>
+                  <a:srgbClr val="FFFFFF"/>
+                </a:solidFill>
+                <a:latin typeface="Barlow Light Bold"/>
+              </a:rPr>
+              <a:t> portal </a:t>
+            </a:r>
+            <a:r>
+              <a:rPr lang="en-US" sz="3000" dirty="0" err="1">
+                <a:solidFill>
+                  <a:srgbClr val="FFFFFF"/>
+                </a:solidFill>
+                <a:latin typeface="Barlow Light Bold"/>
+              </a:rPr>
+              <a:t>berita</a:t>
+            </a:r>
+            <a:r>
+              <a:rPr lang="en-US" sz="3000" dirty="0">
+                <a:solidFill>
+                  <a:srgbClr val="FFFFFF"/>
+                </a:solidFill>
+                <a:latin typeface="Barlow Light Bold"/>
+              </a:rPr>
+              <a:t>. </a:t>
+            </a:r>
+            <a:r>
+              <a:rPr lang="en-US" sz="3000" dirty="0" err="1">
+                <a:solidFill>
+                  <a:srgbClr val="FFFFFF"/>
+                </a:solidFill>
+                <a:latin typeface="Barlow Light Bold"/>
+              </a:rPr>
+              <a:t>Disimpulkan</a:t>
+            </a:r>
+            <a:r>
+              <a:rPr lang="en-US" sz="3000" dirty="0">
+                <a:solidFill>
+                  <a:srgbClr val="FFFFFF"/>
+                </a:solidFill>
+                <a:latin typeface="Barlow Light Bold"/>
+              </a:rPr>
+              <a:t> </a:t>
+            </a:r>
+            <a:r>
+              <a:rPr lang="en-US" sz="3000" dirty="0" err="1">
+                <a:solidFill>
+                  <a:srgbClr val="FFFFFF"/>
+                </a:solidFill>
+                <a:latin typeface="Barlow Light Bold"/>
+              </a:rPr>
+              <a:t>dari</a:t>
+            </a:r>
+            <a:r>
+              <a:rPr lang="en-US" sz="3000" dirty="0">
+                <a:solidFill>
+                  <a:srgbClr val="FFFFFF"/>
+                </a:solidFill>
+                <a:latin typeface="Barlow Light Bold"/>
+              </a:rPr>
+              <a:t> 3 </a:t>
+            </a:r>
+            <a:r>
+              <a:rPr lang="en-US" sz="3000" dirty="0" err="1">
+                <a:solidFill>
+                  <a:srgbClr val="FFFFFF"/>
+                </a:solidFill>
+                <a:latin typeface="Barlow Light Bold"/>
+              </a:rPr>
+              <a:t>calon</a:t>
+            </a:r>
+            <a:r>
+              <a:rPr lang="en-US" sz="3000" dirty="0">
+                <a:solidFill>
+                  <a:srgbClr val="FFFFFF"/>
+                </a:solidFill>
+                <a:latin typeface="Barlow Light Bold"/>
+              </a:rPr>
+              <a:t> </a:t>
+            </a:r>
+            <a:r>
+              <a:rPr lang="en-US" sz="3000" dirty="0" err="1">
+                <a:solidFill>
+                  <a:srgbClr val="FFFFFF"/>
+                </a:solidFill>
+                <a:latin typeface="Barlow Light Bold"/>
+              </a:rPr>
+              <a:t>presiden</a:t>
+            </a:r>
+            <a:r>
+              <a:rPr lang="en-US" sz="3000" dirty="0">
+                <a:solidFill>
+                  <a:srgbClr val="FFFFFF"/>
+                </a:solidFill>
+                <a:latin typeface="Barlow Light Bold"/>
+              </a:rPr>
+              <a:t> </a:t>
+            </a:r>
+            <a:r>
+              <a:rPr lang="en-US" sz="3000" dirty="0" err="1">
+                <a:solidFill>
+                  <a:srgbClr val="FFFFFF"/>
+                </a:solidFill>
+                <a:latin typeface="Barlow Light Bold"/>
+              </a:rPr>
+              <a:t>bahwa</a:t>
+            </a:r>
+            <a:r>
+              <a:rPr lang="en-US" sz="3000" dirty="0">
+                <a:solidFill>
+                  <a:srgbClr val="FFFFFF"/>
+                </a:solidFill>
+                <a:latin typeface="Barlow Light Bold"/>
+              </a:rPr>
+              <a:t> </a:t>
+            </a:r>
+            <a:r>
+              <a:rPr lang="en-US" sz="3000" dirty="0" err="1">
+                <a:solidFill>
+                  <a:srgbClr val="FFFFFF"/>
+                </a:solidFill>
+                <a:latin typeface="Barlow Light Bold"/>
+              </a:rPr>
+              <a:t>semakin</a:t>
+            </a:r>
+            <a:r>
+              <a:rPr lang="en-US" sz="3000" dirty="0">
+                <a:solidFill>
+                  <a:srgbClr val="FFFFFF"/>
+                </a:solidFill>
+                <a:latin typeface="Barlow Light Bold"/>
+              </a:rPr>
+              <a:t> </a:t>
+            </a:r>
+            <a:r>
+              <a:rPr lang="en-US" sz="3000" dirty="0" err="1">
+                <a:solidFill>
+                  <a:srgbClr val="FFFFFF"/>
+                </a:solidFill>
+                <a:latin typeface="Barlow Light Bold"/>
+              </a:rPr>
+              <a:t>tinggi</a:t>
+            </a:r>
+            <a:r>
+              <a:rPr lang="en-US" sz="3000" dirty="0">
+                <a:solidFill>
+                  <a:srgbClr val="FFFFFF"/>
+                </a:solidFill>
+                <a:latin typeface="Barlow Light Bold"/>
+              </a:rPr>
+              <a:t> </a:t>
+            </a:r>
+            <a:r>
+              <a:rPr lang="en-US" sz="3000" dirty="0" err="1">
+                <a:solidFill>
+                  <a:srgbClr val="FFFFFF"/>
+                </a:solidFill>
+                <a:latin typeface="Barlow Light Bold"/>
+              </a:rPr>
+              <a:t>sentimen</a:t>
+            </a:r>
+            <a:r>
+              <a:rPr lang="en-US" sz="3000" dirty="0">
+                <a:solidFill>
+                  <a:srgbClr val="FFFFFF"/>
+                </a:solidFill>
+                <a:latin typeface="Barlow Light Bold"/>
+              </a:rPr>
+              <a:t> </a:t>
+            </a:r>
+            <a:r>
+              <a:rPr lang="en-US" sz="3000" dirty="0" err="1">
+                <a:solidFill>
+                  <a:srgbClr val="FFFFFF"/>
+                </a:solidFill>
+                <a:latin typeface="Barlow Light Bold"/>
+              </a:rPr>
+              <a:t>positif</a:t>
+            </a:r>
+            <a:r>
+              <a:rPr lang="en-US" sz="3000" dirty="0">
+                <a:solidFill>
+                  <a:srgbClr val="FFFFFF"/>
+                </a:solidFill>
+                <a:latin typeface="Barlow Light Bold"/>
+              </a:rPr>
+              <a:t>, </a:t>
+            </a:r>
+            <a:r>
+              <a:rPr lang="en-US" sz="3000" dirty="0" err="1">
+                <a:solidFill>
+                  <a:srgbClr val="FFFFFF"/>
+                </a:solidFill>
+                <a:latin typeface="Barlow Light Bold"/>
+              </a:rPr>
+              <a:t>maka</a:t>
+            </a:r>
+            <a:r>
+              <a:rPr lang="en-US" sz="3000" dirty="0">
+                <a:solidFill>
+                  <a:srgbClr val="FFFFFF"/>
+                </a:solidFill>
+                <a:latin typeface="Barlow Light Bold"/>
+              </a:rPr>
+              <a:t> </a:t>
+            </a:r>
+            <a:r>
+              <a:rPr lang="en-US" sz="3000" dirty="0" err="1">
+                <a:solidFill>
+                  <a:srgbClr val="FFFFFF"/>
+                </a:solidFill>
+                <a:latin typeface="Barlow Light Bold"/>
+              </a:rPr>
+              <a:t>semakin</a:t>
+            </a:r>
+            <a:r>
+              <a:rPr lang="en-US" sz="3000" dirty="0">
+                <a:solidFill>
+                  <a:srgbClr val="FFFFFF"/>
+                </a:solidFill>
+                <a:latin typeface="Barlow Light Bold"/>
+              </a:rPr>
+              <a:t> </a:t>
+            </a:r>
+            <a:r>
+              <a:rPr lang="en-US" sz="3000" dirty="0" err="1">
+                <a:solidFill>
+                  <a:srgbClr val="FFFFFF"/>
+                </a:solidFill>
+                <a:latin typeface="Barlow Light Bold"/>
+              </a:rPr>
+              <a:t>tinggi</a:t>
+            </a:r>
+            <a:r>
+              <a:rPr lang="en-US" sz="3000" dirty="0">
+                <a:solidFill>
+                  <a:srgbClr val="FFFFFF"/>
+                </a:solidFill>
+                <a:latin typeface="Barlow Light Bold"/>
+              </a:rPr>
+              <a:t> </a:t>
+            </a:r>
+            <a:r>
+              <a:rPr lang="en-US" sz="3000" dirty="0" err="1">
+                <a:solidFill>
+                  <a:srgbClr val="FFFFFF"/>
+                </a:solidFill>
+                <a:latin typeface="Barlow Light Bold"/>
+              </a:rPr>
+              <a:t>elektabilitas</a:t>
+            </a:r>
+            <a:r>
+              <a:rPr lang="en-US" sz="3000" dirty="0">
+                <a:solidFill>
+                  <a:srgbClr val="FFFFFF"/>
+                </a:solidFill>
+                <a:latin typeface="Barlow Light Bold"/>
+              </a:rPr>
+              <a:t> </a:t>
+            </a:r>
+            <a:r>
+              <a:rPr lang="en-US" sz="3000" dirty="0" err="1">
+                <a:solidFill>
+                  <a:srgbClr val="FFFFFF"/>
+                </a:solidFill>
+                <a:latin typeface="Barlow Light Bold"/>
+              </a:rPr>
+              <a:t>calon</a:t>
+            </a:r>
+            <a:r>
+              <a:rPr lang="en-US" sz="3000" dirty="0">
+                <a:solidFill>
+                  <a:srgbClr val="FFFFFF"/>
+                </a:solidFill>
+                <a:latin typeface="Barlow Light Bold"/>
+              </a:rPr>
+              <a:t> </a:t>
+            </a:r>
+            <a:r>
+              <a:rPr lang="en-US" sz="3000" dirty="0" err="1">
+                <a:solidFill>
+                  <a:srgbClr val="FFFFFF"/>
+                </a:solidFill>
+                <a:latin typeface="Barlow Light Bold"/>
+              </a:rPr>
+              <a:t>tersebut</a:t>
+            </a:r>
+            <a:r>
+              <a:rPr lang="en-US" sz="3000" dirty="0">
+                <a:solidFill>
+                  <a:srgbClr val="FFFFFF"/>
+                </a:solidFill>
+                <a:latin typeface="Barlow Light Bold"/>
+              </a:rPr>
+              <a:t>.</a:t>
             </a:r>
           </a:p>
         </p:txBody>
@@ -34245,7 +35823,7 @@
         </p:nvGrpSpPr>
         <p:grpSpPr>
           <a:xfrm rot="1129566">
-            <a:off x="4944087" y="-1169212"/>
+            <a:off x="4922356" y="-1169214"/>
             <a:ext cx="1920558" cy="12407487"/>
             <a:chOff x="0" y="0"/>
             <a:chExt cx="505826" cy="3267816"/>
@@ -35046,7 +36624,7 @@
         </p:nvSpPr>
         <p:spPr>
           <a:xfrm>
-            <a:off x="6056137" y="1895158"/>
+            <a:off x="6912711" y="6827578"/>
             <a:ext cx="9466816" cy="2610856"/>
           </a:xfrm>
           <a:prstGeom prst="rect">
@@ -35059,19 +36637,298 @@
           </a:bodyPr>
           <a:lstStyle/>
           <a:p>
-            <a:pPr>
+            <a:pPr algn="r">
               <a:lnSpc>
                 <a:spcPts val="5179"/>
               </a:lnSpc>
             </a:pPr>
             <a:r>
-              <a:rPr lang="en-US" sz="3699">
+              <a:rPr lang="en-US" sz="3699" dirty="0" err="1">
                 <a:solidFill>
                   <a:srgbClr val="695941"/>
                 </a:solidFill>
                 <a:latin typeface="Barlow Light"/>
               </a:rPr>
-              <a:t>Penulis melakukan penelitian mengenai analisa sentimen untuk mengetahui berapa banyak setuju dan tidaknya pengguna twitter terhadap pemilihan calon presiden 2024</a:t>
+              <a:t>Penulis</a:t>
+            </a:r>
+            <a:r>
+              <a:rPr lang="en-US" sz="3699" dirty="0">
+                <a:solidFill>
+                  <a:srgbClr val="695941"/>
+                </a:solidFill>
+                <a:latin typeface="Barlow Light"/>
+              </a:rPr>
+              <a:t> </a:t>
+            </a:r>
+            <a:r>
+              <a:rPr lang="en-US" sz="3699" dirty="0" err="1">
+                <a:solidFill>
+                  <a:srgbClr val="695941"/>
+                </a:solidFill>
+                <a:latin typeface="Barlow Light"/>
+              </a:rPr>
+              <a:t>melakukan</a:t>
+            </a:r>
+            <a:r>
+              <a:rPr lang="en-US" sz="3699" dirty="0">
+                <a:solidFill>
+                  <a:srgbClr val="695941"/>
+                </a:solidFill>
+                <a:latin typeface="Barlow Light"/>
+              </a:rPr>
+              <a:t> </a:t>
+            </a:r>
+            <a:r>
+              <a:rPr lang="en-US" sz="3699" dirty="0" err="1">
+                <a:solidFill>
+                  <a:srgbClr val="695941"/>
+                </a:solidFill>
+                <a:latin typeface="Barlow Light"/>
+              </a:rPr>
+              <a:t>penelitian</a:t>
+            </a:r>
+            <a:r>
+              <a:rPr lang="en-US" sz="3699" dirty="0">
+                <a:solidFill>
+                  <a:srgbClr val="695941"/>
+                </a:solidFill>
+                <a:latin typeface="Barlow Light"/>
+              </a:rPr>
+              <a:t> </a:t>
+            </a:r>
+            <a:r>
+              <a:rPr lang="en-US" sz="3699" dirty="0" err="1">
+                <a:solidFill>
+                  <a:srgbClr val="695941"/>
+                </a:solidFill>
+                <a:latin typeface="Barlow Light"/>
+              </a:rPr>
+              <a:t>mengenai</a:t>
+            </a:r>
+            <a:r>
+              <a:rPr lang="en-US" sz="3699" dirty="0">
+                <a:solidFill>
+                  <a:srgbClr val="695941"/>
+                </a:solidFill>
+                <a:latin typeface="Barlow Light"/>
+              </a:rPr>
+              <a:t> </a:t>
+            </a:r>
+            <a:r>
+              <a:rPr lang="en-US" sz="3699" dirty="0" err="1">
+                <a:solidFill>
+                  <a:srgbClr val="695941"/>
+                </a:solidFill>
+                <a:latin typeface="Barlow Light"/>
+              </a:rPr>
+              <a:t>analisa</a:t>
+            </a:r>
+            <a:r>
+              <a:rPr lang="en-US" sz="3699" dirty="0">
+                <a:solidFill>
+                  <a:srgbClr val="695941"/>
+                </a:solidFill>
+                <a:latin typeface="Barlow Light"/>
+              </a:rPr>
+              <a:t> </a:t>
+            </a:r>
+            <a:r>
+              <a:rPr lang="en-US" sz="3699" dirty="0" err="1">
+                <a:solidFill>
+                  <a:srgbClr val="695941"/>
+                </a:solidFill>
+                <a:latin typeface="Barlow Light"/>
+              </a:rPr>
+              <a:t>sentimen</a:t>
+            </a:r>
+            <a:r>
+              <a:rPr lang="en-US" sz="3699" dirty="0">
+                <a:solidFill>
+                  <a:srgbClr val="695941"/>
+                </a:solidFill>
+                <a:latin typeface="Barlow Light"/>
+              </a:rPr>
+              <a:t> untuk </a:t>
+            </a:r>
+            <a:r>
+              <a:rPr lang="en-US" sz="3699" dirty="0" err="1">
+                <a:solidFill>
+                  <a:srgbClr val="695941"/>
+                </a:solidFill>
+                <a:latin typeface="Barlow Light"/>
+              </a:rPr>
+              <a:t>mengetahui</a:t>
+            </a:r>
+            <a:r>
+              <a:rPr lang="en-US" sz="3699" dirty="0">
+                <a:solidFill>
+                  <a:srgbClr val="695941"/>
+                </a:solidFill>
+                <a:latin typeface="Barlow Light"/>
+              </a:rPr>
+              <a:t> </a:t>
+            </a:r>
+            <a:r>
+              <a:rPr lang="en-US" sz="3699" dirty="0" err="1">
+                <a:solidFill>
+                  <a:srgbClr val="695941"/>
+                </a:solidFill>
+                <a:latin typeface="Barlow Light"/>
+              </a:rPr>
+              <a:t>berapa</a:t>
+            </a:r>
+            <a:r>
+              <a:rPr lang="en-US" sz="3699" dirty="0">
+                <a:solidFill>
+                  <a:srgbClr val="695941"/>
+                </a:solidFill>
+                <a:latin typeface="Barlow Light"/>
+              </a:rPr>
+              <a:t> </a:t>
+            </a:r>
+            <a:r>
+              <a:rPr lang="en-US" sz="3699" dirty="0" err="1">
+                <a:solidFill>
+                  <a:srgbClr val="695941"/>
+                </a:solidFill>
+                <a:latin typeface="Barlow Light"/>
+              </a:rPr>
+              <a:t>banyak</a:t>
+            </a:r>
+            <a:r>
+              <a:rPr lang="en-US" sz="3699" dirty="0">
+                <a:solidFill>
+                  <a:srgbClr val="695941"/>
+                </a:solidFill>
+                <a:latin typeface="Barlow Light"/>
+              </a:rPr>
+              <a:t> </a:t>
+            </a:r>
+            <a:r>
+              <a:rPr lang="en-US" sz="3699" dirty="0" err="1">
+                <a:solidFill>
+                  <a:srgbClr val="695941"/>
+                </a:solidFill>
+                <a:latin typeface="Barlow Light"/>
+              </a:rPr>
+              <a:t>setuju</a:t>
+            </a:r>
+            <a:r>
+              <a:rPr lang="en-US" sz="3699" dirty="0">
+                <a:solidFill>
+                  <a:srgbClr val="695941"/>
+                </a:solidFill>
+                <a:latin typeface="Barlow Light"/>
+              </a:rPr>
+              <a:t> dan </a:t>
+            </a:r>
+            <a:r>
+              <a:rPr lang="en-US" sz="3699" dirty="0" err="1">
+                <a:solidFill>
+                  <a:srgbClr val="695941"/>
+                </a:solidFill>
+                <a:latin typeface="Barlow Light"/>
+              </a:rPr>
+              <a:t>tidaknya</a:t>
+            </a:r>
+            <a:r>
+              <a:rPr lang="en-US" sz="3699" dirty="0">
+                <a:solidFill>
+                  <a:srgbClr val="695941"/>
+                </a:solidFill>
+                <a:latin typeface="Barlow Light"/>
+              </a:rPr>
+              <a:t> </a:t>
+            </a:r>
+            <a:r>
+              <a:rPr lang="en-US" sz="3699" dirty="0" err="1">
+                <a:solidFill>
+                  <a:srgbClr val="695941"/>
+                </a:solidFill>
+                <a:latin typeface="Barlow Light"/>
+              </a:rPr>
+              <a:t>pengguna</a:t>
+            </a:r>
+            <a:r>
+              <a:rPr lang="en-US" sz="3699" dirty="0">
+                <a:solidFill>
+                  <a:srgbClr val="695941"/>
+                </a:solidFill>
+                <a:latin typeface="Barlow Light"/>
+              </a:rPr>
+              <a:t> twitter </a:t>
+            </a:r>
+            <a:r>
+              <a:rPr lang="en-US" sz="3699" dirty="0" err="1">
+                <a:solidFill>
+                  <a:srgbClr val="695941"/>
+                </a:solidFill>
+                <a:latin typeface="Barlow Light"/>
+              </a:rPr>
+              <a:t>terhadap</a:t>
+            </a:r>
+            <a:r>
+              <a:rPr lang="en-US" sz="3699" dirty="0">
+                <a:solidFill>
+                  <a:srgbClr val="695941"/>
+                </a:solidFill>
+                <a:latin typeface="Barlow Light"/>
+              </a:rPr>
+              <a:t> </a:t>
+            </a:r>
+            <a:r>
+              <a:rPr lang="en-US" sz="3699" dirty="0" err="1">
+                <a:solidFill>
+                  <a:srgbClr val="695941"/>
+                </a:solidFill>
+                <a:latin typeface="Barlow Light"/>
+              </a:rPr>
+              <a:t>pemilihan</a:t>
+            </a:r>
+            <a:r>
+              <a:rPr lang="en-US" sz="3699" dirty="0">
+                <a:solidFill>
+                  <a:srgbClr val="695941"/>
+                </a:solidFill>
+                <a:latin typeface="Barlow Light"/>
+              </a:rPr>
+              <a:t> </a:t>
+            </a:r>
+            <a:r>
+              <a:rPr lang="en-US" sz="3699" dirty="0" err="1">
+                <a:solidFill>
+                  <a:srgbClr val="695941"/>
+                </a:solidFill>
+                <a:latin typeface="Barlow Light"/>
+              </a:rPr>
+              <a:t>calon</a:t>
+            </a:r>
+            <a:r>
+              <a:rPr lang="en-US" sz="3699" dirty="0">
+                <a:solidFill>
+                  <a:srgbClr val="695941"/>
+                </a:solidFill>
+                <a:latin typeface="Barlow Light"/>
+              </a:rPr>
+              <a:t> </a:t>
+            </a:r>
+            <a:r>
+              <a:rPr lang="en-US" sz="3699" dirty="0" err="1">
+                <a:solidFill>
+                  <a:srgbClr val="695941"/>
+                </a:solidFill>
+                <a:latin typeface="Barlow Light"/>
+              </a:rPr>
+              <a:t>presiden</a:t>
+            </a:r>
+            <a:r>
+              <a:rPr lang="en-US" sz="3699" dirty="0">
+                <a:solidFill>
+                  <a:srgbClr val="695941"/>
+                </a:solidFill>
+                <a:latin typeface="Barlow Light"/>
+              </a:rPr>
+              <a:t> 2024</a:t>
             </a:r>
           </a:p>
         </p:txBody>
@@ -35230,13 +37087,19 @@
       </p:sp>
       <p:sp>
         <p:nvSpPr>
-          <p:cNvPr id="34" name="TextBox 34"/>
+          <p:cNvPr id="35" name="TextBox 34">
+            <a:extLst>
+              <a:ext uri="{FF2B5EF4-FFF2-40B4-BE49-F238E27FC236}">
+                <a16:creationId xmlns:a16="http://schemas.microsoft.com/office/drawing/2014/main" id="{DFE65262-E389-0AF6-C159-060FAC505665}"/>
+              </a:ext>
+            </a:extLst>
+          </p:cNvPr>
           <p:cNvSpPr txBox="1"/>
           <p:nvPr/>
         </p:nvSpPr>
         <p:spPr>
           <a:xfrm>
-            <a:off x="7016006" y="5801414"/>
+            <a:off x="6246901" y="2132016"/>
             <a:ext cx="9466816" cy="3268015"/>
           </a:xfrm>
           <a:prstGeom prst="rect">
@@ -35249,7 +37112,7 @@
           </a:bodyPr>
           <a:lstStyle/>
           <a:p>
-            <a:pPr algn="r">
+            <a:pPr>
               <a:lnSpc>
                 <a:spcPts val="5179"/>
               </a:lnSpc>
@@ -35261,7 +37124,7 @@
                 </a:solidFill>
                 <a:latin typeface="Barlow Light"/>
               </a:rPr>
-              <a:t>Liu (</a:t>
+              <a:t>Media </a:t>
             </a:r>
             <a:r>
               <a:rPr lang="en-US" sz="3699" dirty="0" err="1">
@@ -35270,7 +37133,7 @@
                 </a:solidFill>
                 <a:latin typeface="Barlow Light"/>
               </a:rPr>
-              <a:t>dalam</a:t>
+              <a:t>sosial</a:t>
             </a:r>
             <a:r>
               <a:rPr lang="en-US" sz="3699" dirty="0">
@@ -35279,6 +37142,24 @@
                 </a:solidFill>
                 <a:latin typeface="Barlow Light"/>
               </a:rPr>
+              <a:t> twitter </a:t>
+            </a:r>
+            <a:r>
+              <a:rPr lang="en-US" sz="3699" dirty="0" err="1">
+                <a:solidFill>
+                  <a:srgbClr val="695941"/>
+                </a:solidFill>
+                <a:latin typeface="Barlow Light"/>
+              </a:rPr>
+              <a:t>menjadi</a:t>
+            </a:r>
+            <a:r>
+              <a:rPr lang="en-US" sz="3699" dirty="0">
+                <a:solidFill>
+                  <a:srgbClr val="695941"/>
+                </a:solidFill>
+                <a:latin typeface="Barlow Light"/>
+              </a:rPr>
               <a:t> </a:t>
             </a:r>
             <a:r>
@@ -35288,7 +37169,7 @@
                 </a:solidFill>
                 <a:latin typeface="Barlow Light"/>
               </a:rPr>
-              <a:t>Haranto</a:t>
+              <a:t>tempat</a:t>
             </a:r>
             <a:r>
               <a:rPr lang="en-US" sz="3699" dirty="0">
@@ -35297,7 +37178,7 @@
                 </a:solidFill>
                 <a:latin typeface="Barlow Light"/>
               </a:rPr>
-              <a:t> dan Sari, 2019) </a:t>
+              <a:t> </a:t>
             </a:r>
             <a:r>
               <a:rPr lang="en-US" sz="3699" dirty="0" err="1">
@@ -35306,7 +37187,7 @@
                 </a:solidFill>
                 <a:latin typeface="Barlow Light"/>
               </a:rPr>
-              <a:t>memaparkan</a:t>
+              <a:t>penyebaran</a:t>
             </a:r>
             <a:r>
               <a:rPr lang="en-US" sz="3699" dirty="0">
@@ -35324,7 +37205,7 @@
                 </a:solidFill>
                 <a:latin typeface="Barlow Light"/>
               </a:rPr>
-              <a:t>bahwa</a:t>
+              <a:t>informasi</a:t>
             </a:r>
             <a:r>
               <a:rPr lang="en-US" sz="3699" dirty="0">
@@ -35333,6 +37214,24 @@
                 </a:solidFill>
                 <a:latin typeface="Barlow Light"/>
               </a:rPr>
+              <a:t>, </a:t>
+            </a:r>
+            <a:r>
+              <a:rPr lang="en-US" sz="3699" dirty="0" err="1">
+                <a:solidFill>
+                  <a:srgbClr val="695941"/>
+                </a:solidFill>
+                <a:latin typeface="Barlow Light"/>
+              </a:rPr>
+              <a:t>hiburan</a:t>
+            </a:r>
+            <a:r>
+              <a:rPr lang="en-US" sz="3699" dirty="0">
+                <a:solidFill>
+                  <a:srgbClr val="695941"/>
+                </a:solidFill>
+                <a:latin typeface="Barlow Light"/>
+              </a:rPr>
               <a:t> </a:t>
             </a:r>
             <a:r>
@@ -35342,7 +37241,7 @@
                 </a:solidFill>
                 <a:latin typeface="Barlow Light"/>
               </a:rPr>
-              <a:t>analisa</a:t>
+              <a:t>bahkan</a:t>
             </a:r>
             <a:r>
               <a:rPr lang="en-US" sz="3699" dirty="0">
@@ -35360,7 +37259,7 @@
                 </a:solidFill>
                 <a:latin typeface="Barlow Light"/>
               </a:rPr>
-              <a:t>sentimen</a:t>
+              <a:t>opini</a:t>
             </a:r>
             <a:r>
               <a:rPr lang="en-US" sz="3699" dirty="0">
@@ -35378,7 +37277,7 @@
                 </a:solidFill>
                 <a:latin typeface="Barlow Light"/>
               </a:rPr>
-              <a:t>merupakan</a:t>
+              <a:t>politik</a:t>
             </a:r>
             <a:r>
               <a:rPr lang="en-US" sz="3699" dirty="0">
@@ -35387,6 +37286,42 @@
                 </a:solidFill>
                 <a:latin typeface="Barlow Light"/>
               </a:rPr>
+              <a:t> . </a:t>
+            </a:r>
+            <a:r>
+              <a:rPr lang="en-US" sz="3699" dirty="0" err="1">
+                <a:solidFill>
+                  <a:srgbClr val="695941"/>
+                </a:solidFill>
+                <a:latin typeface="Barlow Light"/>
+              </a:rPr>
+              <a:t>Sehingga</a:t>
+            </a:r>
+            <a:r>
+              <a:rPr lang="en-US" sz="3699" dirty="0">
+                <a:solidFill>
+                  <a:srgbClr val="695941"/>
+                </a:solidFill>
+                <a:latin typeface="Barlow Light"/>
+              </a:rPr>
+              <a:t>, </a:t>
+            </a:r>
+            <a:r>
+              <a:rPr lang="en-US" sz="3699" dirty="0" err="1">
+                <a:solidFill>
+                  <a:srgbClr val="695941"/>
+                </a:solidFill>
+                <a:latin typeface="Barlow Light"/>
+              </a:rPr>
+              <a:t>pemilihan</a:t>
+            </a:r>
+            <a:r>
+              <a:rPr lang="en-US" sz="3699" dirty="0">
+                <a:solidFill>
+                  <a:srgbClr val="695941"/>
+                </a:solidFill>
+                <a:latin typeface="Barlow Light"/>
+              </a:rPr>
               <a:t> </a:t>
             </a:r>
             <a:r>
@@ -35396,7 +37331,7 @@
                 </a:solidFill>
                 <a:latin typeface="Barlow Light"/>
               </a:rPr>
-              <a:t>studi</a:t>
+              <a:t>umum</a:t>
             </a:r>
             <a:r>
               <a:rPr lang="en-US" sz="3699" dirty="0">
@@ -35405,7 +37340,7 @@
                 </a:solidFill>
                 <a:latin typeface="Barlow Light"/>
               </a:rPr>
-              <a:t> yang </a:t>
+              <a:t> </a:t>
             </a:r>
             <a:r>
               <a:rPr lang="en-US" sz="3699" dirty="0" err="1">
@@ -35414,7 +37349,7 @@
                 </a:solidFill>
                 <a:latin typeface="Barlow Light"/>
               </a:rPr>
-              <a:t>mempelajari</a:t>
+              <a:t>tahun</a:t>
             </a:r>
             <a:r>
               <a:rPr lang="en-US" sz="3699" dirty="0">
@@ -35423,6 +37358,24 @@
                 </a:solidFill>
                 <a:latin typeface="Barlow Light"/>
               </a:rPr>
+              <a:t> 2024 </a:t>
+            </a:r>
+            <a:r>
+              <a:rPr lang="en-US" sz="3699" dirty="0" err="1">
+                <a:solidFill>
+                  <a:srgbClr val="695941"/>
+                </a:solidFill>
+                <a:latin typeface="Barlow Light"/>
+              </a:rPr>
+              <a:t>akan</a:t>
+            </a:r>
+            <a:r>
+              <a:rPr lang="en-US" sz="3699" dirty="0">
+                <a:solidFill>
+                  <a:srgbClr val="695941"/>
+                </a:solidFill>
+                <a:latin typeface="Barlow Light"/>
+              </a:rPr>
               <a:t> </a:t>
             </a:r>
             <a:r>
@@ -35432,7 +37385,7 @@
                 </a:solidFill>
                 <a:latin typeface="Barlow Light"/>
               </a:rPr>
-              <a:t>opini</a:t>
+              <a:t>banyak</a:t>
             </a:r>
             <a:r>
               <a:rPr lang="en-US" sz="3699" dirty="0">
@@ -35441,7 +37394,7 @@
                 </a:solidFill>
                 <a:latin typeface="Barlow Light"/>
               </a:rPr>
-              <a:t>, </a:t>
+              <a:t> </a:t>
             </a:r>
             <a:r>
               <a:rPr lang="en-US" sz="3699" dirty="0" err="1">
@@ -35450,7 +37403,7 @@
                 </a:solidFill>
                 <a:latin typeface="Barlow Light"/>
               </a:rPr>
-              <a:t>sentimen</a:t>
+              <a:t>bertebaran</a:t>
             </a:r>
             <a:r>
               <a:rPr lang="en-US" sz="3699" dirty="0">
@@ -35459,7 +37412,7 @@
                 </a:solidFill>
                 <a:latin typeface="Barlow Light"/>
               </a:rPr>
-              <a:t>, </a:t>
+              <a:t> di twitter </a:t>
             </a:r>
             <a:r>
               <a:rPr lang="en-US" sz="3699" dirty="0" err="1">
@@ -35468,7 +37421,7 @@
                 </a:solidFill>
                 <a:latin typeface="Barlow Light"/>
               </a:rPr>
-              <a:t>evaluasi</a:t>
+              <a:t>tentang</a:t>
             </a:r>
             <a:r>
               <a:rPr lang="en-US" sz="3699" dirty="0">
@@ -35477,7 +37430,7 @@
                 </a:solidFill>
                 <a:latin typeface="Barlow Light"/>
               </a:rPr>
-              <a:t>, </a:t>
+              <a:t> masing-masing </a:t>
             </a:r>
             <a:r>
               <a:rPr lang="en-US" sz="3699" dirty="0" err="1">
@@ -35486,7 +37439,7 @@
                 </a:solidFill>
                 <a:latin typeface="Barlow Light"/>
               </a:rPr>
-              <a:t>tingkah</a:t>
+              <a:t>calon</a:t>
             </a:r>
             <a:r>
               <a:rPr lang="en-US" sz="3699" dirty="0">
@@ -35504,71 +37457,14 @@
                 </a:solidFill>
                 <a:latin typeface="Barlow Light"/>
               </a:rPr>
-              <a:t>laku</a:t>
-            </a:r>
-            <a:r>
-              <a:rPr lang="en-US" sz="3699" dirty="0">
-                <a:solidFill>
-                  <a:srgbClr val="695941"/>
-                </a:solidFill>
-                <a:latin typeface="Barlow Light"/>
-              </a:rPr>
-              <a:t>, dan </a:t>
-            </a:r>
-            <a:r>
-              <a:rPr lang="en-US" sz="3699" dirty="0" err="1">
-                <a:solidFill>
-                  <a:srgbClr val="695941"/>
-                </a:solidFill>
-                <a:latin typeface="Barlow Light"/>
-              </a:rPr>
-              <a:t>emosi</a:t>
-            </a:r>
-            <a:r>
-              <a:rPr lang="en-US" sz="3699" dirty="0">
-                <a:solidFill>
-                  <a:srgbClr val="695941"/>
-                </a:solidFill>
-                <a:latin typeface="Barlow Light"/>
-              </a:rPr>
-              <a:t> </a:t>
-            </a:r>
-            <a:r>
-              <a:rPr lang="en-US" sz="3699" dirty="0" err="1">
-                <a:solidFill>
-                  <a:srgbClr val="695941"/>
-                </a:solidFill>
-                <a:latin typeface="Barlow Light"/>
-              </a:rPr>
-              <a:t>suatu</a:t>
-            </a:r>
-            <a:r>
-              <a:rPr lang="en-US" sz="3699" dirty="0">
-                <a:solidFill>
-                  <a:srgbClr val="695941"/>
-                </a:solidFill>
-                <a:latin typeface="Barlow Light"/>
-              </a:rPr>
-              <a:t> </a:t>
-            </a:r>
-            <a:r>
-              <a:rPr lang="en-US" sz="3699" dirty="0" err="1">
-                <a:solidFill>
-                  <a:srgbClr val="695941"/>
-                </a:solidFill>
-                <a:latin typeface="Barlow Light"/>
-              </a:rPr>
-              <a:t>entitas</a:t>
-            </a:r>
-            <a:r>
-              <a:rPr lang="en-US" sz="3699" dirty="0">
-                <a:solidFill>
-                  <a:srgbClr val="695941"/>
-                </a:solidFill>
-                <a:latin typeface="Barlow Light"/>
-              </a:rPr>
-              <a:t> </a:t>
-            </a:r>
+              <a:t>presiden</a:t>
+            </a:r>
+            <a:endParaRPr lang="en-US" sz="3699" dirty="0">
+              <a:solidFill>
+                <a:srgbClr val="695941"/>
+              </a:solidFill>
+              <a:latin typeface="Barlow Light"/>
+            </a:endParaRPr>
           </a:p>
         </p:txBody>
       </p:sp>
@@ -42905,7 +44801,7 @@
         <p:spPr>
           <a:xfrm>
             <a:off x="5516105" y="2619058"/>
-            <a:ext cx="8105215" cy="4955540"/>
+            <a:ext cx="8105215" cy="5012911"/>
           </a:xfrm>
           <a:prstGeom prst="rect">
             <a:avLst/>
@@ -42923,13 +44819,103 @@
               </a:lnSpc>
             </a:pPr>
             <a:r>
-              <a:rPr lang="en-US" sz="3100">
+              <a:rPr lang="en-US" sz="3100" dirty="0">
                 <a:solidFill>
                   <a:srgbClr val="FFFFFF"/>
                 </a:solidFill>
                 <a:latin typeface="Barlow Light Bold"/>
               </a:rPr>
-              <a:t>3. Komparasi Algoritma SVM Dan Naive Bayes Untuk Klasifikasi Kestabilan Jaringan Listrik.</a:t>
+              <a:t>3. </a:t>
+            </a:r>
+            <a:r>
+              <a:rPr lang="en-US" sz="3100" dirty="0" err="1">
+                <a:solidFill>
+                  <a:srgbClr val="FFFFFF"/>
+                </a:solidFill>
+                <a:latin typeface="Barlow Light Bold"/>
+              </a:rPr>
+              <a:t>Komparasi</a:t>
+            </a:r>
+            <a:r>
+              <a:rPr lang="en-US" sz="3100" dirty="0">
+                <a:solidFill>
+                  <a:srgbClr val="FFFFFF"/>
+                </a:solidFill>
+                <a:latin typeface="Barlow Light Bold"/>
+              </a:rPr>
+              <a:t> </a:t>
+            </a:r>
+            <a:r>
+              <a:rPr lang="en-US" sz="3100" dirty="0" err="1">
+                <a:solidFill>
+                  <a:srgbClr val="FFFFFF"/>
+                </a:solidFill>
+                <a:latin typeface="Barlow Light Bold"/>
+              </a:rPr>
+              <a:t>Algoritma</a:t>
+            </a:r>
+            <a:r>
+              <a:rPr lang="en-US" sz="3100" dirty="0">
+                <a:solidFill>
+                  <a:srgbClr val="FFFFFF"/>
+                </a:solidFill>
+                <a:latin typeface="Barlow Light Bold"/>
+              </a:rPr>
+              <a:t> SVM Dan Naive Bayes Untuk </a:t>
+            </a:r>
+            <a:r>
+              <a:rPr lang="en-US" sz="3100" dirty="0" err="1">
+                <a:solidFill>
+                  <a:srgbClr val="FFFFFF"/>
+                </a:solidFill>
+                <a:latin typeface="Barlow Light Bold"/>
+              </a:rPr>
+              <a:t>Klasifikasi</a:t>
+            </a:r>
+            <a:r>
+              <a:rPr lang="en-US" sz="3100" dirty="0">
+                <a:solidFill>
+                  <a:srgbClr val="FFFFFF"/>
+                </a:solidFill>
+                <a:latin typeface="Barlow Light Bold"/>
+              </a:rPr>
+              <a:t> </a:t>
+            </a:r>
+            <a:r>
+              <a:rPr lang="en-US" sz="3100" dirty="0" err="1">
+                <a:solidFill>
+                  <a:srgbClr val="FFFFFF"/>
+                </a:solidFill>
+                <a:latin typeface="Barlow Light Bold"/>
+              </a:rPr>
+              <a:t>Kestabilan</a:t>
+            </a:r>
+            <a:r>
+              <a:rPr lang="en-US" sz="3100" dirty="0">
+                <a:solidFill>
+                  <a:srgbClr val="FFFFFF"/>
+                </a:solidFill>
+                <a:latin typeface="Barlow Light Bold"/>
+              </a:rPr>
+              <a:t> </a:t>
+            </a:r>
+            <a:r>
+              <a:rPr lang="en-US" sz="3100" dirty="0" err="1">
+                <a:solidFill>
+                  <a:srgbClr val="FFFFFF"/>
+                </a:solidFill>
+                <a:latin typeface="Barlow Light Bold"/>
+              </a:rPr>
+              <a:t>Jaringan</a:t>
+            </a:r>
+            <a:r>
+              <a:rPr lang="en-US" sz="3100" dirty="0">
+                <a:solidFill>
+                  <a:srgbClr val="FFFFFF"/>
+                </a:solidFill>
+                <a:latin typeface="Barlow Light Bold"/>
+              </a:rPr>
+              <a:t> Listrik.</a:t>
             </a:r>
           </a:p>
           <a:p>
@@ -42938,7 +44924,7 @@
                 <a:spcPts val="4340"/>
               </a:lnSpc>
             </a:pPr>
-            <a:endParaRPr lang="en-US" sz="3100">
+            <a:endParaRPr lang="en-US" sz="3100" dirty="0">
               <a:solidFill>
                 <a:srgbClr val="FFFFFF"/>
               </a:solidFill>
@@ -42952,13 +44938,112 @@
               </a:lnSpc>
             </a:pPr>
             <a:r>
-              <a:rPr lang="en-US" sz="2700">
+              <a:rPr lang="en-US" sz="2700" dirty="0" err="1">
                 <a:solidFill>
                   <a:srgbClr val="FFFFFF"/>
                 </a:solidFill>
                 <a:latin typeface="Barlow Light"/>
               </a:rPr>
-              <a:t>Penulis : Sri Diantika, Windu Gata, Hiya Nalatissifa, Mareanus Lase.</a:t>
+              <a:t>Penulis</a:t>
+            </a:r>
+            <a:r>
+              <a:rPr lang="en-US" sz="2700" dirty="0">
+                <a:solidFill>
+                  <a:srgbClr val="FFFFFF"/>
+                </a:solidFill>
+                <a:latin typeface="Barlow Light"/>
+              </a:rPr>
+              <a:t> : Sri </a:t>
+            </a:r>
+            <a:r>
+              <a:rPr lang="en-US" sz="2700" dirty="0" err="1">
+                <a:solidFill>
+                  <a:srgbClr val="FFFFFF"/>
+                </a:solidFill>
+                <a:latin typeface="Barlow Light"/>
+              </a:rPr>
+              <a:t>Diantika</a:t>
+            </a:r>
+            <a:r>
+              <a:rPr lang="en-US" sz="2700" dirty="0">
+                <a:solidFill>
+                  <a:srgbClr val="FFFFFF"/>
+                </a:solidFill>
+                <a:latin typeface="Barlow Light"/>
+              </a:rPr>
+              <a:t>, </a:t>
+            </a:r>
+            <a:r>
+              <a:rPr lang="en-US" sz="2700" dirty="0" err="1">
+                <a:solidFill>
+                  <a:srgbClr val="FFFFFF"/>
+                </a:solidFill>
+                <a:latin typeface="Barlow Light"/>
+              </a:rPr>
+              <a:t>Windu</a:t>
+            </a:r>
+            <a:r>
+              <a:rPr lang="en-US" sz="2700" dirty="0">
+                <a:solidFill>
+                  <a:srgbClr val="FFFFFF"/>
+                </a:solidFill>
+                <a:latin typeface="Barlow Light"/>
+              </a:rPr>
+              <a:t> </a:t>
+            </a:r>
+            <a:r>
+              <a:rPr lang="en-US" sz="2700" dirty="0" err="1">
+                <a:solidFill>
+                  <a:srgbClr val="FFFFFF"/>
+                </a:solidFill>
+                <a:latin typeface="Barlow Light"/>
+              </a:rPr>
+              <a:t>Gata</a:t>
+            </a:r>
+            <a:r>
+              <a:rPr lang="en-US" sz="2700" dirty="0">
+                <a:solidFill>
+                  <a:srgbClr val="FFFFFF"/>
+                </a:solidFill>
+                <a:latin typeface="Barlow Light"/>
+              </a:rPr>
+              <a:t>, Hiya </a:t>
+            </a:r>
+            <a:r>
+              <a:rPr lang="en-US" sz="2700" dirty="0" err="1">
+                <a:solidFill>
+                  <a:srgbClr val="FFFFFF"/>
+                </a:solidFill>
+                <a:latin typeface="Barlow Light"/>
+              </a:rPr>
+              <a:t>Nalatissifa</a:t>
+            </a:r>
+            <a:r>
+              <a:rPr lang="en-US" sz="2700" dirty="0">
+                <a:solidFill>
+                  <a:srgbClr val="FFFFFF"/>
+                </a:solidFill>
+                <a:latin typeface="Barlow Light"/>
+              </a:rPr>
+              <a:t>, </a:t>
+            </a:r>
+            <a:r>
+              <a:rPr lang="en-US" sz="2700" dirty="0" err="1">
+                <a:solidFill>
+                  <a:srgbClr val="FFFFFF"/>
+                </a:solidFill>
+                <a:latin typeface="Barlow Light"/>
+              </a:rPr>
+              <a:t>Mareanus</a:t>
+            </a:r>
+            <a:r>
+              <a:rPr lang="en-US" sz="2700" dirty="0">
+                <a:solidFill>
+                  <a:srgbClr val="FFFFFF"/>
+                </a:solidFill>
+                <a:latin typeface="Barlow Light"/>
+              </a:rPr>
+              <a:t> Lase.</a:t>
             </a:r>
           </a:p>
           <a:p>
@@ -42967,7 +45052,7 @@
                 <a:spcPts val="3780"/>
               </a:lnSpc>
             </a:pPr>
-            <a:endParaRPr lang="en-US" sz="2700">
+            <a:endParaRPr lang="en-US" sz="2700" dirty="0">
               <a:solidFill>
                 <a:srgbClr val="FFFFFF"/>
               </a:solidFill>
@@ -42981,13 +45066,193 @@
               </a:lnSpc>
             </a:pPr>
             <a:r>
-              <a:rPr lang="en-US" sz="2700">
+              <a:rPr lang="en-US" sz="2700" dirty="0">
                 <a:solidFill>
                   <a:srgbClr val="FFFFFF"/>
                 </a:solidFill>
                 <a:latin typeface="Barlow Light"/>
               </a:rPr>
-              <a:t>Kesimpulan : Akurasi algoritma Support Vector Machine pada data kestabilan jaringan mendapatkan akurasi 98.8% semestara jika menggunakan Naïve Bayes sebesar 97.64%.</a:t>
+              <a:t>Kesimpulan : </a:t>
+            </a:r>
+            <a:r>
+              <a:rPr lang="en-US" sz="2700" dirty="0" err="1">
+                <a:solidFill>
+                  <a:srgbClr val="FFFFFF"/>
+                </a:solidFill>
+                <a:latin typeface="Barlow Light"/>
+              </a:rPr>
+              <a:t>Akurasi</a:t>
+            </a:r>
+            <a:r>
+              <a:rPr lang="en-US" sz="2700" dirty="0">
+                <a:solidFill>
+                  <a:srgbClr val="FFFFFF"/>
+                </a:solidFill>
+                <a:latin typeface="Barlow Light"/>
+              </a:rPr>
+              <a:t> </a:t>
+            </a:r>
+            <a:r>
+              <a:rPr lang="en-US" sz="2700" dirty="0" err="1">
+                <a:solidFill>
+                  <a:srgbClr val="FFFFFF"/>
+                </a:solidFill>
+                <a:latin typeface="Barlow Light"/>
+              </a:rPr>
+              <a:t>algoritma</a:t>
+            </a:r>
+            <a:r>
+              <a:rPr lang="en-US" sz="2700" dirty="0">
+                <a:solidFill>
+                  <a:srgbClr val="FFFFFF"/>
+                </a:solidFill>
+                <a:latin typeface="Barlow Light"/>
+              </a:rPr>
+              <a:t> Support Vector Machine pada data </a:t>
+            </a:r>
+            <a:r>
+              <a:rPr lang="en-US" sz="2700" dirty="0" err="1">
+                <a:solidFill>
+                  <a:srgbClr val="FFFFFF"/>
+                </a:solidFill>
+                <a:latin typeface="Barlow Light"/>
+              </a:rPr>
+              <a:t>kestabilan</a:t>
+            </a:r>
+            <a:r>
+              <a:rPr lang="en-US" sz="2700" dirty="0">
+                <a:solidFill>
+                  <a:srgbClr val="FFFFFF"/>
+                </a:solidFill>
+                <a:latin typeface="Barlow Light"/>
+              </a:rPr>
+              <a:t> </a:t>
+            </a:r>
+            <a:r>
+              <a:rPr lang="en-US" sz="2700" dirty="0" err="1">
+                <a:solidFill>
+                  <a:srgbClr val="FFFFFF"/>
+                </a:solidFill>
+                <a:latin typeface="Barlow Light"/>
+              </a:rPr>
+              <a:t>jaringan</a:t>
+            </a:r>
+            <a:r>
+              <a:rPr lang="en-US" sz="2700" dirty="0">
+                <a:solidFill>
+                  <a:srgbClr val="FFFFFF"/>
+                </a:solidFill>
+                <a:latin typeface="Barlow Light"/>
+              </a:rPr>
+              <a:t> </a:t>
+            </a:r>
+            <a:r>
+              <a:rPr lang="en-US" sz="2700" dirty="0" err="1">
+                <a:solidFill>
+                  <a:srgbClr val="FFFFFF"/>
+                </a:solidFill>
+                <a:latin typeface="Barlow Light"/>
+              </a:rPr>
+              <a:t>mendapatkan</a:t>
+            </a:r>
+            <a:r>
+              <a:rPr lang="en-US" sz="2700" dirty="0">
+                <a:solidFill>
+                  <a:srgbClr val="FFFFFF"/>
+                </a:solidFill>
+                <a:latin typeface="Barlow Light"/>
+              </a:rPr>
+              <a:t> </a:t>
+            </a:r>
+            <a:r>
+              <a:rPr lang="en-US" sz="2700" dirty="0" err="1">
+                <a:solidFill>
+                  <a:srgbClr val="FFFFFF"/>
+                </a:solidFill>
+                <a:latin typeface="Barlow Light"/>
+              </a:rPr>
+              <a:t>akurasi</a:t>
+            </a:r>
+            <a:r>
+              <a:rPr lang="en-US" sz="2700" dirty="0">
+                <a:solidFill>
+                  <a:srgbClr val="FFFFFF"/>
+                </a:solidFill>
+                <a:latin typeface="Barlow Light"/>
+              </a:rPr>
+              <a:t> 98.8% </a:t>
+            </a:r>
+            <a:r>
+              <a:rPr lang="en-US" sz="2700" dirty="0" err="1">
+                <a:solidFill>
+                  <a:srgbClr val="FFFFFF"/>
+                </a:solidFill>
+                <a:latin typeface="Barlow Light"/>
+              </a:rPr>
+              <a:t>sementara</a:t>
+            </a:r>
+            <a:r>
+              <a:rPr lang="en-US" sz="2700" dirty="0">
+                <a:solidFill>
+                  <a:srgbClr val="FFFFFF"/>
+                </a:solidFill>
+                <a:latin typeface="Barlow Light"/>
+              </a:rPr>
+              <a:t> </a:t>
+            </a:r>
+            <a:r>
+              <a:rPr lang="en-US" sz="2700" dirty="0" err="1">
+                <a:solidFill>
+                  <a:srgbClr val="FFFFFF"/>
+                </a:solidFill>
+                <a:latin typeface="Barlow Light"/>
+              </a:rPr>
+              <a:t>jika</a:t>
+            </a:r>
+            <a:r>
+              <a:rPr lang="en-US" sz="2700" dirty="0">
+                <a:solidFill>
+                  <a:srgbClr val="FFFFFF"/>
+                </a:solidFill>
+                <a:latin typeface="Barlow Light"/>
+              </a:rPr>
+              <a:t> </a:t>
+            </a:r>
+            <a:r>
+              <a:rPr lang="en-US" sz="2700" dirty="0" err="1">
+                <a:solidFill>
+                  <a:srgbClr val="FFFFFF"/>
+                </a:solidFill>
+                <a:latin typeface="Barlow Light"/>
+              </a:rPr>
+              <a:t>menggunakan</a:t>
+            </a:r>
+            <a:r>
+              <a:rPr lang="en-US" sz="2700" dirty="0">
+                <a:solidFill>
+                  <a:srgbClr val="FFFFFF"/>
+                </a:solidFill>
+                <a:latin typeface="Barlow Light"/>
+              </a:rPr>
+              <a:t> Naïve Bayes </a:t>
+            </a:r>
+            <a:r>
+              <a:rPr lang="en-US" sz="2700" dirty="0" err="1">
+                <a:solidFill>
+                  <a:srgbClr val="FFFFFF"/>
+                </a:solidFill>
+                <a:latin typeface="Barlow Light"/>
+              </a:rPr>
+              <a:t>sebesar</a:t>
+            </a:r>
+            <a:r>
+              <a:rPr lang="en-US" sz="2700" dirty="0">
+                <a:solidFill>
+                  <a:srgbClr val="FFFFFF"/>
+                </a:solidFill>
+                <a:latin typeface="Barlow Light"/>
+              </a:rPr>
+              <a:t> 97.64%.</a:t>
             </a:r>
           </a:p>
         </p:txBody>
